--- a/doc/presentation.pptx
+++ b/doc/presentation.pptx
@@ -5,49 +5,50 @@
     <p:sldMasterId id="2147483657" r:id="rId1"/>
   </p:sldMasterIdLst>
   <p:notesMasterIdLst>
-    <p:notesMasterId r:id="rId18"/>
+    <p:notesMasterId r:id="rId19"/>
   </p:notesMasterIdLst>
   <p:sldIdLst>
     <p:sldId id="256" r:id="rId2"/>
     <p:sldId id="258" r:id="rId3"/>
-    <p:sldId id="259" r:id="rId4"/>
-    <p:sldId id="284" r:id="rId5"/>
-    <p:sldId id="285" r:id="rId6"/>
-    <p:sldId id="286" r:id="rId7"/>
-    <p:sldId id="287" r:id="rId8"/>
-    <p:sldId id="288" r:id="rId9"/>
-    <p:sldId id="289" r:id="rId10"/>
-    <p:sldId id="290" r:id="rId11"/>
-    <p:sldId id="291" r:id="rId12"/>
-    <p:sldId id="292" r:id="rId13"/>
-    <p:sldId id="295" r:id="rId14"/>
-    <p:sldId id="296" r:id="rId15"/>
-    <p:sldId id="298" r:id="rId16"/>
-    <p:sldId id="297" r:id="rId17"/>
+    <p:sldId id="299" r:id="rId4"/>
+    <p:sldId id="259" r:id="rId5"/>
+    <p:sldId id="284" r:id="rId6"/>
+    <p:sldId id="285" r:id="rId7"/>
+    <p:sldId id="286" r:id="rId8"/>
+    <p:sldId id="287" r:id="rId9"/>
+    <p:sldId id="288" r:id="rId10"/>
+    <p:sldId id="289" r:id="rId11"/>
+    <p:sldId id="290" r:id="rId12"/>
+    <p:sldId id="291" r:id="rId13"/>
+    <p:sldId id="292" r:id="rId14"/>
+    <p:sldId id="295" r:id="rId15"/>
+    <p:sldId id="296" r:id="rId16"/>
+    <p:sldId id="298" r:id="rId17"/>
+    <p:sldId id="297" r:id="rId18"/>
   </p:sldIdLst>
   <p:sldSz cx="9144000" cy="5143500" type="screen16x9"/>
   <p:notesSz cx="6858000" cy="9144000"/>
   <p:embeddedFontLst>
     <p:embeddedFont>
       <p:font typeface="Arvo" panose="020B0604020202020204" charset="0"/>
-      <p:regular r:id="rId19"/>
-      <p:bold r:id="rId20"/>
-      <p:italic r:id="rId21"/>
-      <p:boldItalic r:id="rId22"/>
+      <p:regular r:id="rId20"/>
+      <p:bold r:id="rId21"/>
+      <p:italic r:id="rId22"/>
+      <p:boldItalic r:id="rId23"/>
     </p:embeddedFont>
     <p:embeddedFont>
       <p:font typeface="Roboto Condensed" panose="020B0604020202020204" charset="0"/>
-      <p:regular r:id="rId23"/>
-      <p:bold r:id="rId24"/>
-      <p:italic r:id="rId25"/>
-      <p:boldItalic r:id="rId26"/>
+      <p:regular r:id="rId24"/>
+      <p:bold r:id="rId25"/>
+      <p:italic r:id="rId26"/>
+      <p:boldItalic r:id="rId27"/>
     </p:embeddedFont>
     <p:embeddedFont>
       <p:font typeface="Roboto Condensed Light" panose="020B0604020202020204" charset="0"/>
-      <p:regular r:id="rId27"/>
-      <p:bold r:id="rId28"/>
-      <p:italic r:id="rId29"/>
-      <p:boldItalic r:id="rId30"/>
+      <p:regular r:id="rId28"/>
+      <p:bold r:id="rId29"/>
+      <p:italic r:id="rId30"/>
+      <p:boldItalic r:id="rId31"/>
     </p:embeddedFont>
   </p:embeddedFontLst>
   <p:defaultTextStyle>
@@ -279,6 +280,11 @@
       </a:defRPr>
     </a:lvl9pPr>
   </p:defaultTextStyle>
+  <p:extLst>
+    <p:ext uri="{EFAFB233-063F-42B5-8137-9DF3F51BA10A}">
+      <p15:sldGuideLst xmlns:p15="http://schemas.microsoft.com/office/powerpoint/2012/main"/>
+    </p:ext>
+  </p:extLst>
 </p:presentation>
 </file>
 
@@ -917,6 +923,10 @@
               </a:spcAft>
               <a:buNone/>
             </a:pPr>
+            <a:r>
+              <a:rPr lang="en-CA" dirty="0"/>
+              <a:t>Colin</a:t>
+            </a:r>
             <a:endParaRPr dirty="0"/>
           </a:p>
         </p:txBody>
@@ -1026,6 +1036,10 @@
               </a:spcAft>
               <a:buNone/>
             </a:pPr>
+            <a:r>
+              <a:rPr lang="en-CA" dirty="0"/>
+              <a:t>Matt</a:t>
+            </a:r>
             <a:endParaRPr dirty="0"/>
           </a:p>
         </p:txBody>
@@ -1680,7 +1694,37 @@
               </a:spcAft>
               <a:buNone/>
             </a:pPr>
-            <a:endParaRPr dirty="0"/>
+            <a:r>
+              <a:rPr lang="en-CA" dirty="0"/>
+              <a:t>Matt: project goals</a:t>
+            </a:r>
+          </a:p>
+          <a:p>
+            <a:pPr marL="0" lvl="0" indent="0">
+              <a:spcBef>
+                <a:spcPts val="0"/>
+              </a:spcBef>
+              <a:spcAft>
+                <a:spcPts val="0"/>
+              </a:spcAft>
+              <a:buNone/>
+            </a:pPr>
+            <a:endParaRPr lang="en-CA" dirty="0"/>
+          </a:p>
+          <a:p>
+            <a:pPr marL="0" lvl="0" indent="0">
+              <a:spcBef>
+                <a:spcPts val="0"/>
+              </a:spcBef>
+              <a:spcAft>
+                <a:spcPts val="0"/>
+              </a:spcAft>
+              <a:buNone/>
+            </a:pPr>
+            <a:r>
+              <a:rPr lang="en-CA" dirty="0"/>
+              <a:t>Colin: agenda</a:t>
+            </a:r>
           </a:p>
         </p:txBody>
       </p:sp>
@@ -1888,6 +1932,10 @@
               </a:spcAft>
               <a:buNone/>
             </a:pPr>
+            <a:r>
+              <a:rPr lang="en-CA" dirty="0"/>
+              <a:t>Matt</a:t>
+            </a:r>
             <a:endParaRPr dirty="0"/>
           </a:p>
         </p:txBody>
@@ -1997,6 +2045,10 @@
               </a:spcAft>
               <a:buNone/>
             </a:pPr>
+            <a:r>
+              <a:rPr lang="en-CA" dirty="0"/>
+              <a:t>Colin</a:t>
+            </a:r>
             <a:endParaRPr dirty="0"/>
           </a:p>
         </p:txBody>
@@ -2106,6 +2158,10 @@
               </a:spcAft>
               <a:buNone/>
             </a:pPr>
+            <a:r>
+              <a:rPr lang="en-CA" dirty="0"/>
+              <a:t>Matt</a:t>
+            </a:r>
             <a:endParaRPr dirty="0"/>
           </a:p>
         </p:txBody>
@@ -2215,6 +2271,10 @@
               </a:spcAft>
               <a:buNone/>
             </a:pPr>
+            <a:r>
+              <a:rPr lang="en-CA" dirty="0"/>
+              <a:t>Colin + Matt</a:t>
+            </a:r>
             <a:endParaRPr dirty="0"/>
           </a:p>
         </p:txBody>
@@ -2324,6 +2384,10 @@
               </a:spcAft>
               <a:buNone/>
             </a:pPr>
+            <a:r>
+              <a:rPr lang="en-CA" dirty="0"/>
+              <a:t>Colin + Matt</a:t>
+            </a:r>
             <a:endParaRPr dirty="0"/>
           </a:p>
         </p:txBody>
@@ -2433,6 +2497,10 @@
               </a:spcAft>
               <a:buNone/>
             </a:pPr>
+            <a:r>
+              <a:rPr lang="en-CA" dirty="0"/>
+              <a:t>Matt	</a:t>
+            </a:r>
             <a:endParaRPr dirty="0"/>
           </a:p>
         </p:txBody>
@@ -7942,6 +8010,964 @@
             </a:pPr>
             <a:r>
               <a:rPr lang="en-CA" dirty="0"/>
+              <a:t>HSV to Grayscale</a:t>
+            </a:r>
+            <a:endParaRPr dirty="0"/>
+          </a:p>
+        </p:txBody>
+      </p:sp>
+      <p:sp>
+        <p:nvSpPr>
+          <p:cNvPr id="237" name="Google Shape;237;p16"/>
+          <p:cNvSpPr txBox="1">
+            <a:spLocks noGrp="1"/>
+          </p:cNvSpPr>
+          <p:nvPr>
+            <p:ph type="body" idx="1"/>
+          </p:nvPr>
+        </p:nvSpPr>
+        <p:spPr>
+          <a:xfrm>
+            <a:off x="814275" y="1327350"/>
+            <a:ext cx="6132600" cy="1504750"/>
+          </a:xfrm>
+          <a:prstGeom prst="rect">
+            <a:avLst/>
+          </a:prstGeom>
+        </p:spPr>
+        <p:txBody>
+          <a:bodyPr spcFirstLastPara="1" wrap="square" lIns="91425" tIns="91425" rIns="91425" bIns="91425" anchor="ctr" anchorCtr="0">
+            <a:noAutofit/>
+          </a:bodyPr>
+          <a:lstStyle/>
+          <a:p>
+            <a:pPr>
+              <a:spcBef>
+                <a:spcPts val="0"/>
+              </a:spcBef>
+            </a:pPr>
+            <a:r>
+              <a:rPr lang="en-CA" dirty="0"/>
+              <a:t>The HSV image still has distinct regions of hue difference that are detected as edges by Canny</a:t>
+            </a:r>
+          </a:p>
+          <a:p>
+            <a:pPr>
+              <a:spcBef>
+                <a:spcPts val="0"/>
+              </a:spcBef>
+            </a:pPr>
+            <a:r>
+              <a:rPr lang="en-CA" dirty="0"/>
+              <a:t>Converting to grayscale reduces this effect</a:t>
+            </a:r>
+          </a:p>
+        </p:txBody>
+      </p:sp>
+      <p:sp>
+        <p:nvSpPr>
+          <p:cNvPr id="238" name="Google Shape;238;p16"/>
+          <p:cNvSpPr txBox="1">
+            <a:spLocks noGrp="1"/>
+          </p:cNvSpPr>
+          <p:nvPr>
+            <p:ph type="sldNum" idx="12"/>
+          </p:nvPr>
+        </p:nvSpPr>
+        <p:spPr>
+          <a:xfrm>
+            <a:off x="7618000" y="4636500"/>
+            <a:ext cx="1487400" cy="315600"/>
+          </a:xfrm>
+          <a:prstGeom prst="rect">
+            <a:avLst/>
+          </a:prstGeom>
+        </p:spPr>
+        <p:txBody>
+          <a:bodyPr spcFirstLastPara="1" wrap="square" lIns="91425" tIns="91425" rIns="91425" bIns="91425" anchor="ctr" anchorCtr="0">
+            <a:noAutofit/>
+          </a:bodyPr>
+          <a:lstStyle/>
+          <a:p>
+            <a:pPr marL="0" lvl="0" indent="0">
+              <a:spcBef>
+                <a:spcPts val="0"/>
+              </a:spcBef>
+              <a:spcAft>
+                <a:spcPts val="0"/>
+              </a:spcAft>
+              <a:buNone/>
+            </a:pPr>
+            <a:fld id="{00000000-1234-1234-1234-123412341234}" type="slidenum">
+              <a:rPr lang="en"/>
+              <a:t>10</a:t>
+            </a:fld>
+            <a:endParaRPr dirty="0"/>
+          </a:p>
+        </p:txBody>
+      </p:sp>
+      <p:grpSp>
+        <p:nvGrpSpPr>
+          <p:cNvPr id="10" name="Google Shape;557;p37">
+            <a:extLst>
+              <a:ext uri="{FF2B5EF4-FFF2-40B4-BE49-F238E27FC236}">
+                <a16:creationId xmlns:a16="http://schemas.microsoft.com/office/drawing/2014/main" id="{F0E3F945-B794-4CC8-A342-514099F1E291}"/>
+              </a:ext>
+            </a:extLst>
+          </p:cNvPr>
+          <p:cNvGrpSpPr/>
+          <p:nvPr/>
+        </p:nvGrpSpPr>
+        <p:grpSpPr>
+          <a:xfrm>
+            <a:off x="264548" y="634534"/>
+            <a:ext cx="321028" cy="282282"/>
+            <a:chOff x="1929775" y="320925"/>
+            <a:chExt cx="423800" cy="372650"/>
+          </a:xfrm>
+        </p:grpSpPr>
+        <p:sp>
+          <p:nvSpPr>
+            <p:cNvPr id="11" name="Google Shape;558;p37">
+              <a:extLst>
+                <a:ext uri="{FF2B5EF4-FFF2-40B4-BE49-F238E27FC236}">
+                  <a16:creationId xmlns:a16="http://schemas.microsoft.com/office/drawing/2014/main" id="{2A389803-45E5-44AA-93E0-E98F963A4771}"/>
+                </a:ext>
+              </a:extLst>
+            </p:cNvPr>
+            <p:cNvSpPr/>
+            <p:nvPr/>
+          </p:nvSpPr>
+          <p:spPr>
+            <a:xfrm>
+              <a:off x="1929775" y="320925"/>
+              <a:ext cx="423800" cy="372650"/>
+            </a:xfrm>
+            <a:custGeom>
+              <a:avLst/>
+              <a:gdLst/>
+              <a:ahLst/>
+              <a:cxnLst/>
+              <a:rect l="0" t="0" r="0" b="0"/>
+              <a:pathLst>
+                <a:path w="16952" h="14906" fill="none" extrusionOk="0">
+                  <a:moveTo>
+                    <a:pt x="16172" y="0"/>
+                  </a:moveTo>
+                  <a:lnTo>
+                    <a:pt x="780" y="0"/>
+                  </a:lnTo>
+                  <a:lnTo>
+                    <a:pt x="780" y="0"/>
+                  </a:lnTo>
+                  <a:lnTo>
+                    <a:pt x="634" y="25"/>
+                  </a:lnTo>
+                  <a:lnTo>
+                    <a:pt x="488" y="73"/>
+                  </a:lnTo>
+                  <a:lnTo>
+                    <a:pt x="341" y="146"/>
+                  </a:lnTo>
+                  <a:lnTo>
+                    <a:pt x="220" y="244"/>
+                  </a:lnTo>
+                  <a:lnTo>
+                    <a:pt x="122" y="341"/>
+                  </a:lnTo>
+                  <a:lnTo>
+                    <a:pt x="74" y="487"/>
+                  </a:lnTo>
+                  <a:lnTo>
+                    <a:pt x="25" y="634"/>
+                  </a:lnTo>
+                  <a:lnTo>
+                    <a:pt x="0" y="780"/>
+                  </a:lnTo>
+                  <a:lnTo>
+                    <a:pt x="0" y="14126"/>
+                  </a:lnTo>
+                  <a:lnTo>
+                    <a:pt x="0" y="14126"/>
+                  </a:lnTo>
+                  <a:lnTo>
+                    <a:pt x="25" y="14272"/>
+                  </a:lnTo>
+                  <a:lnTo>
+                    <a:pt x="74" y="14418"/>
+                  </a:lnTo>
+                  <a:lnTo>
+                    <a:pt x="122" y="14565"/>
+                  </a:lnTo>
+                  <a:lnTo>
+                    <a:pt x="220" y="14662"/>
+                  </a:lnTo>
+                  <a:lnTo>
+                    <a:pt x="341" y="14759"/>
+                  </a:lnTo>
+                  <a:lnTo>
+                    <a:pt x="488" y="14832"/>
+                  </a:lnTo>
+                  <a:lnTo>
+                    <a:pt x="634" y="14881"/>
+                  </a:lnTo>
+                  <a:lnTo>
+                    <a:pt x="780" y="14906"/>
+                  </a:lnTo>
+                  <a:lnTo>
+                    <a:pt x="16172" y="14906"/>
+                  </a:lnTo>
+                  <a:lnTo>
+                    <a:pt x="16172" y="14906"/>
+                  </a:lnTo>
+                  <a:lnTo>
+                    <a:pt x="16318" y="14881"/>
+                  </a:lnTo>
+                  <a:lnTo>
+                    <a:pt x="16464" y="14832"/>
+                  </a:lnTo>
+                  <a:lnTo>
+                    <a:pt x="16611" y="14759"/>
+                  </a:lnTo>
+                  <a:lnTo>
+                    <a:pt x="16732" y="14662"/>
+                  </a:lnTo>
+                  <a:lnTo>
+                    <a:pt x="16830" y="14565"/>
+                  </a:lnTo>
+                  <a:lnTo>
+                    <a:pt x="16878" y="14418"/>
+                  </a:lnTo>
+                  <a:lnTo>
+                    <a:pt x="16927" y="14272"/>
+                  </a:lnTo>
+                  <a:lnTo>
+                    <a:pt x="16952" y="14126"/>
+                  </a:lnTo>
+                  <a:lnTo>
+                    <a:pt x="16952" y="780"/>
+                  </a:lnTo>
+                  <a:lnTo>
+                    <a:pt x="16952" y="780"/>
+                  </a:lnTo>
+                  <a:lnTo>
+                    <a:pt x="16927" y="634"/>
+                  </a:lnTo>
+                  <a:lnTo>
+                    <a:pt x="16878" y="487"/>
+                  </a:lnTo>
+                  <a:lnTo>
+                    <a:pt x="16830" y="341"/>
+                  </a:lnTo>
+                  <a:lnTo>
+                    <a:pt x="16732" y="244"/>
+                  </a:lnTo>
+                  <a:lnTo>
+                    <a:pt x="16611" y="146"/>
+                  </a:lnTo>
+                  <a:lnTo>
+                    <a:pt x="16464" y="73"/>
+                  </a:lnTo>
+                  <a:lnTo>
+                    <a:pt x="16318" y="25"/>
+                  </a:lnTo>
+                  <a:lnTo>
+                    <a:pt x="16172" y="0"/>
+                  </a:lnTo>
+                  <a:lnTo>
+                    <a:pt x="16172" y="0"/>
+                  </a:lnTo>
+                  <a:close/>
+                </a:path>
+              </a:pathLst>
+            </a:custGeom>
+            <a:noFill/>
+            <a:ln w="12175" cap="rnd" cmpd="sng">
+              <a:solidFill>
+                <a:srgbClr val="FF9800"/>
+              </a:solidFill>
+              <a:prstDash val="solid"/>
+              <a:round/>
+              <a:headEnd type="none" w="sm" len="sm"/>
+              <a:tailEnd type="none" w="sm" len="sm"/>
+            </a:ln>
+          </p:spPr>
+          <p:txBody>
+            <a:bodyPr spcFirstLastPara="1" wrap="square" lIns="91425" tIns="91425" rIns="91425" bIns="91425" anchor="ctr" anchorCtr="0">
+              <a:noAutofit/>
+            </a:bodyPr>
+            <a:lstStyle/>
+            <a:p>
+              <a:pPr marL="0" lvl="0" indent="0">
+                <a:spcBef>
+                  <a:spcPts val="0"/>
+                </a:spcBef>
+                <a:spcAft>
+                  <a:spcPts val="0"/>
+                </a:spcAft>
+                <a:buNone/>
+              </a:pPr>
+              <a:endParaRPr dirty="0"/>
+            </a:p>
+          </p:txBody>
+        </p:sp>
+        <p:sp>
+          <p:nvSpPr>
+            <p:cNvPr id="12" name="Google Shape;559;p37">
+              <a:extLst>
+                <a:ext uri="{FF2B5EF4-FFF2-40B4-BE49-F238E27FC236}">
+                  <a16:creationId xmlns:a16="http://schemas.microsoft.com/office/drawing/2014/main" id="{23660178-9752-4F92-881F-CD61361FB3ED}"/>
+                </a:ext>
+              </a:extLst>
+            </p:cNvPr>
+            <p:cNvSpPr/>
+            <p:nvPr/>
+          </p:nvSpPr>
+          <p:spPr>
+            <a:xfrm>
+              <a:off x="1954125" y="345275"/>
+              <a:ext cx="375100" cy="323950"/>
+            </a:xfrm>
+            <a:custGeom>
+              <a:avLst/>
+              <a:gdLst/>
+              <a:ahLst/>
+              <a:cxnLst/>
+              <a:rect l="0" t="0" r="0" b="0"/>
+              <a:pathLst>
+                <a:path w="15004" h="12958" fill="none" extrusionOk="0">
+                  <a:moveTo>
+                    <a:pt x="15003" y="12957"/>
+                  </a:moveTo>
+                  <a:lnTo>
+                    <a:pt x="1" y="12957"/>
+                  </a:lnTo>
+                  <a:lnTo>
+                    <a:pt x="1" y="0"/>
+                  </a:lnTo>
+                  <a:lnTo>
+                    <a:pt x="15003" y="0"/>
+                  </a:lnTo>
+                  <a:lnTo>
+                    <a:pt x="15003" y="12957"/>
+                  </a:lnTo>
+                  <a:close/>
+                </a:path>
+              </a:pathLst>
+            </a:custGeom>
+            <a:noFill/>
+            <a:ln w="12175" cap="rnd" cmpd="sng">
+              <a:solidFill>
+                <a:srgbClr val="FF9800"/>
+              </a:solidFill>
+              <a:prstDash val="solid"/>
+              <a:round/>
+              <a:headEnd type="none" w="sm" len="sm"/>
+              <a:tailEnd type="none" w="sm" len="sm"/>
+            </a:ln>
+          </p:spPr>
+          <p:txBody>
+            <a:bodyPr spcFirstLastPara="1" wrap="square" lIns="91425" tIns="91425" rIns="91425" bIns="91425" anchor="ctr" anchorCtr="0">
+              <a:noAutofit/>
+            </a:bodyPr>
+            <a:lstStyle/>
+            <a:p>
+              <a:pPr marL="0" lvl="0" indent="0">
+                <a:spcBef>
+                  <a:spcPts val="0"/>
+                </a:spcBef>
+                <a:spcAft>
+                  <a:spcPts val="0"/>
+                </a:spcAft>
+                <a:buNone/>
+              </a:pPr>
+              <a:endParaRPr dirty="0"/>
+            </a:p>
+          </p:txBody>
+        </p:sp>
+        <p:sp>
+          <p:nvSpPr>
+            <p:cNvPr id="13" name="Google Shape;560;p37">
+              <a:extLst>
+                <a:ext uri="{FF2B5EF4-FFF2-40B4-BE49-F238E27FC236}">
+                  <a16:creationId xmlns:a16="http://schemas.microsoft.com/office/drawing/2014/main" id="{0B7DDC87-BFD0-4716-ABBE-733066C4E151}"/>
+                </a:ext>
+              </a:extLst>
+            </p:cNvPr>
+            <p:cNvSpPr/>
+            <p:nvPr/>
+          </p:nvSpPr>
+          <p:spPr>
+            <a:xfrm>
+              <a:off x="2162375" y="534625"/>
+              <a:ext cx="146750" cy="113275"/>
+            </a:xfrm>
+            <a:custGeom>
+              <a:avLst/>
+              <a:gdLst/>
+              <a:ahLst/>
+              <a:cxnLst/>
+              <a:rect l="0" t="0" r="0" b="0"/>
+              <a:pathLst>
+                <a:path w="5870" h="4531" fill="none" extrusionOk="0">
+                  <a:moveTo>
+                    <a:pt x="0" y="2266"/>
+                  </a:moveTo>
+                  <a:lnTo>
+                    <a:pt x="1534" y="244"/>
+                  </a:lnTo>
+                  <a:lnTo>
+                    <a:pt x="1534" y="244"/>
+                  </a:lnTo>
+                  <a:lnTo>
+                    <a:pt x="1632" y="147"/>
+                  </a:lnTo>
+                  <a:lnTo>
+                    <a:pt x="1754" y="50"/>
+                  </a:lnTo>
+                  <a:lnTo>
+                    <a:pt x="1875" y="1"/>
+                  </a:lnTo>
+                  <a:lnTo>
+                    <a:pt x="2022" y="1"/>
+                  </a:lnTo>
+                  <a:lnTo>
+                    <a:pt x="2143" y="1"/>
+                  </a:lnTo>
+                  <a:lnTo>
+                    <a:pt x="2289" y="50"/>
+                  </a:lnTo>
+                  <a:lnTo>
+                    <a:pt x="2411" y="147"/>
+                  </a:lnTo>
+                  <a:lnTo>
+                    <a:pt x="2509" y="244"/>
+                  </a:lnTo>
+                  <a:lnTo>
+                    <a:pt x="5870" y="4531"/>
+                  </a:lnTo>
+                </a:path>
+              </a:pathLst>
+            </a:custGeom>
+            <a:noFill/>
+            <a:ln w="12175" cap="rnd" cmpd="sng">
+              <a:solidFill>
+                <a:srgbClr val="FF9800"/>
+              </a:solidFill>
+              <a:prstDash val="solid"/>
+              <a:round/>
+              <a:headEnd type="none" w="sm" len="sm"/>
+              <a:tailEnd type="none" w="sm" len="sm"/>
+            </a:ln>
+          </p:spPr>
+          <p:txBody>
+            <a:bodyPr spcFirstLastPara="1" wrap="square" lIns="91425" tIns="91425" rIns="91425" bIns="91425" anchor="ctr" anchorCtr="0">
+              <a:noAutofit/>
+            </a:bodyPr>
+            <a:lstStyle/>
+            <a:p>
+              <a:pPr marL="0" lvl="0" indent="0">
+                <a:spcBef>
+                  <a:spcPts val="0"/>
+                </a:spcBef>
+                <a:spcAft>
+                  <a:spcPts val="0"/>
+                </a:spcAft>
+                <a:buNone/>
+              </a:pPr>
+              <a:endParaRPr dirty="0"/>
+            </a:p>
+          </p:txBody>
+        </p:sp>
+        <p:sp>
+          <p:nvSpPr>
+            <p:cNvPr id="14" name="Google Shape;561;p37">
+              <a:extLst>
+                <a:ext uri="{FF2B5EF4-FFF2-40B4-BE49-F238E27FC236}">
+                  <a16:creationId xmlns:a16="http://schemas.microsoft.com/office/drawing/2014/main" id="{D7505C5E-D8C2-479A-98D3-D568A5C42C10}"/>
+                </a:ext>
+              </a:extLst>
+            </p:cNvPr>
+            <p:cNvSpPr/>
+            <p:nvPr/>
+          </p:nvSpPr>
+          <p:spPr>
+            <a:xfrm>
+              <a:off x="1974225" y="468875"/>
+              <a:ext cx="232600" cy="179025"/>
+            </a:xfrm>
+            <a:custGeom>
+              <a:avLst/>
+              <a:gdLst/>
+              <a:ahLst/>
+              <a:cxnLst/>
+              <a:rect l="0" t="0" r="0" b="0"/>
+              <a:pathLst>
+                <a:path w="9304" h="7161" fill="none" extrusionOk="0">
+                  <a:moveTo>
+                    <a:pt x="0" y="3995"/>
+                  </a:moveTo>
+                  <a:lnTo>
+                    <a:pt x="2923" y="244"/>
+                  </a:lnTo>
+                  <a:lnTo>
+                    <a:pt x="2923" y="244"/>
+                  </a:lnTo>
+                  <a:lnTo>
+                    <a:pt x="3020" y="147"/>
+                  </a:lnTo>
+                  <a:lnTo>
+                    <a:pt x="3142" y="49"/>
+                  </a:lnTo>
+                  <a:lnTo>
+                    <a:pt x="3264" y="1"/>
+                  </a:lnTo>
+                  <a:lnTo>
+                    <a:pt x="3410" y="1"/>
+                  </a:lnTo>
+                  <a:lnTo>
+                    <a:pt x="3532" y="1"/>
+                  </a:lnTo>
+                  <a:lnTo>
+                    <a:pt x="3678" y="49"/>
+                  </a:lnTo>
+                  <a:lnTo>
+                    <a:pt x="3800" y="147"/>
+                  </a:lnTo>
+                  <a:lnTo>
+                    <a:pt x="3897" y="244"/>
+                  </a:lnTo>
+                  <a:lnTo>
+                    <a:pt x="9304" y="7161"/>
+                  </a:lnTo>
+                </a:path>
+              </a:pathLst>
+            </a:custGeom>
+            <a:noFill/>
+            <a:ln w="12175" cap="rnd" cmpd="sng">
+              <a:solidFill>
+                <a:srgbClr val="FF9800"/>
+              </a:solidFill>
+              <a:prstDash val="solid"/>
+              <a:round/>
+              <a:headEnd type="none" w="sm" len="sm"/>
+              <a:tailEnd type="none" w="sm" len="sm"/>
+            </a:ln>
+          </p:spPr>
+          <p:txBody>
+            <a:bodyPr spcFirstLastPara="1" wrap="square" lIns="91425" tIns="91425" rIns="91425" bIns="91425" anchor="ctr" anchorCtr="0">
+              <a:noAutofit/>
+            </a:bodyPr>
+            <a:lstStyle/>
+            <a:p>
+              <a:pPr marL="0" lvl="0" indent="0">
+                <a:spcBef>
+                  <a:spcPts val="0"/>
+                </a:spcBef>
+                <a:spcAft>
+                  <a:spcPts val="0"/>
+                </a:spcAft>
+                <a:buNone/>
+              </a:pPr>
+              <a:endParaRPr dirty="0"/>
+            </a:p>
+          </p:txBody>
+        </p:sp>
+        <p:sp>
+          <p:nvSpPr>
+            <p:cNvPr id="15" name="Google Shape;562;p37">
+              <a:extLst>
+                <a:ext uri="{FF2B5EF4-FFF2-40B4-BE49-F238E27FC236}">
+                  <a16:creationId xmlns:a16="http://schemas.microsoft.com/office/drawing/2014/main" id="{AFFFF193-9DFD-42AB-9BF6-E1C034F09C49}"/>
+                </a:ext>
+              </a:extLst>
+            </p:cNvPr>
+            <p:cNvSpPr/>
+            <p:nvPr/>
+          </p:nvSpPr>
+          <p:spPr>
+            <a:xfrm>
+              <a:off x="2169675" y="396425"/>
+              <a:ext cx="97450" cy="97450"/>
+            </a:xfrm>
+            <a:custGeom>
+              <a:avLst/>
+              <a:gdLst/>
+              <a:ahLst/>
+              <a:cxnLst/>
+              <a:rect l="0" t="0" r="0" b="0"/>
+              <a:pathLst>
+                <a:path w="3898" h="3898" fill="none" extrusionOk="0">
+                  <a:moveTo>
+                    <a:pt x="1949" y="3897"/>
+                  </a:moveTo>
+                  <a:lnTo>
+                    <a:pt x="1949" y="3897"/>
+                  </a:lnTo>
+                  <a:lnTo>
+                    <a:pt x="1754" y="3897"/>
+                  </a:lnTo>
+                  <a:lnTo>
+                    <a:pt x="1559" y="3873"/>
+                  </a:lnTo>
+                  <a:lnTo>
+                    <a:pt x="1364" y="3824"/>
+                  </a:lnTo>
+                  <a:lnTo>
+                    <a:pt x="1194" y="3751"/>
+                  </a:lnTo>
+                  <a:lnTo>
+                    <a:pt x="1023" y="3678"/>
+                  </a:lnTo>
+                  <a:lnTo>
+                    <a:pt x="853" y="3580"/>
+                  </a:lnTo>
+                  <a:lnTo>
+                    <a:pt x="707" y="3459"/>
+                  </a:lnTo>
+                  <a:lnTo>
+                    <a:pt x="560" y="3337"/>
+                  </a:lnTo>
+                  <a:lnTo>
+                    <a:pt x="439" y="3191"/>
+                  </a:lnTo>
+                  <a:lnTo>
+                    <a:pt x="317" y="3045"/>
+                  </a:lnTo>
+                  <a:lnTo>
+                    <a:pt x="220" y="2874"/>
+                  </a:lnTo>
+                  <a:lnTo>
+                    <a:pt x="146" y="2704"/>
+                  </a:lnTo>
+                  <a:lnTo>
+                    <a:pt x="73" y="2533"/>
+                  </a:lnTo>
+                  <a:lnTo>
+                    <a:pt x="25" y="2338"/>
+                  </a:lnTo>
+                  <a:lnTo>
+                    <a:pt x="0" y="2168"/>
+                  </a:lnTo>
+                  <a:lnTo>
+                    <a:pt x="0" y="1949"/>
+                  </a:lnTo>
+                  <a:lnTo>
+                    <a:pt x="0" y="1949"/>
+                  </a:lnTo>
+                  <a:lnTo>
+                    <a:pt x="0" y="1754"/>
+                  </a:lnTo>
+                  <a:lnTo>
+                    <a:pt x="25" y="1559"/>
+                  </a:lnTo>
+                  <a:lnTo>
+                    <a:pt x="73" y="1389"/>
+                  </a:lnTo>
+                  <a:lnTo>
+                    <a:pt x="146" y="1194"/>
+                  </a:lnTo>
+                  <a:lnTo>
+                    <a:pt x="220" y="1023"/>
+                  </a:lnTo>
+                  <a:lnTo>
+                    <a:pt x="317" y="877"/>
+                  </a:lnTo>
+                  <a:lnTo>
+                    <a:pt x="439" y="707"/>
+                  </a:lnTo>
+                  <a:lnTo>
+                    <a:pt x="560" y="585"/>
+                  </a:lnTo>
+                  <a:lnTo>
+                    <a:pt x="707" y="463"/>
+                  </a:lnTo>
+                  <a:lnTo>
+                    <a:pt x="853" y="341"/>
+                  </a:lnTo>
+                  <a:lnTo>
+                    <a:pt x="1023" y="244"/>
+                  </a:lnTo>
+                  <a:lnTo>
+                    <a:pt x="1194" y="171"/>
+                  </a:lnTo>
+                  <a:lnTo>
+                    <a:pt x="1364" y="98"/>
+                  </a:lnTo>
+                  <a:lnTo>
+                    <a:pt x="1559" y="49"/>
+                  </a:lnTo>
+                  <a:lnTo>
+                    <a:pt x="1754" y="25"/>
+                  </a:lnTo>
+                  <a:lnTo>
+                    <a:pt x="1949" y="0"/>
+                  </a:lnTo>
+                  <a:lnTo>
+                    <a:pt x="1949" y="0"/>
+                  </a:lnTo>
+                  <a:lnTo>
+                    <a:pt x="2144" y="25"/>
+                  </a:lnTo>
+                  <a:lnTo>
+                    <a:pt x="2338" y="49"/>
+                  </a:lnTo>
+                  <a:lnTo>
+                    <a:pt x="2533" y="98"/>
+                  </a:lnTo>
+                  <a:lnTo>
+                    <a:pt x="2704" y="171"/>
+                  </a:lnTo>
+                  <a:lnTo>
+                    <a:pt x="2874" y="244"/>
+                  </a:lnTo>
+                  <a:lnTo>
+                    <a:pt x="3020" y="341"/>
+                  </a:lnTo>
+                  <a:lnTo>
+                    <a:pt x="3191" y="463"/>
+                  </a:lnTo>
+                  <a:lnTo>
+                    <a:pt x="3313" y="585"/>
+                  </a:lnTo>
+                  <a:lnTo>
+                    <a:pt x="3459" y="707"/>
+                  </a:lnTo>
+                  <a:lnTo>
+                    <a:pt x="3556" y="877"/>
+                  </a:lnTo>
+                  <a:lnTo>
+                    <a:pt x="3654" y="1023"/>
+                  </a:lnTo>
+                  <a:lnTo>
+                    <a:pt x="3727" y="1194"/>
+                  </a:lnTo>
+                  <a:lnTo>
+                    <a:pt x="3800" y="1389"/>
+                  </a:lnTo>
+                  <a:lnTo>
+                    <a:pt x="3848" y="1559"/>
+                  </a:lnTo>
+                  <a:lnTo>
+                    <a:pt x="3873" y="1754"/>
+                  </a:lnTo>
+                  <a:lnTo>
+                    <a:pt x="3897" y="1949"/>
+                  </a:lnTo>
+                  <a:lnTo>
+                    <a:pt x="3897" y="1949"/>
+                  </a:lnTo>
+                  <a:lnTo>
+                    <a:pt x="3873" y="2168"/>
+                  </a:lnTo>
+                  <a:lnTo>
+                    <a:pt x="3848" y="2338"/>
+                  </a:lnTo>
+                  <a:lnTo>
+                    <a:pt x="3800" y="2533"/>
+                  </a:lnTo>
+                  <a:lnTo>
+                    <a:pt x="3727" y="2704"/>
+                  </a:lnTo>
+                  <a:lnTo>
+                    <a:pt x="3654" y="2874"/>
+                  </a:lnTo>
+                  <a:lnTo>
+                    <a:pt x="3556" y="3045"/>
+                  </a:lnTo>
+                  <a:lnTo>
+                    <a:pt x="3459" y="3191"/>
+                  </a:lnTo>
+                  <a:lnTo>
+                    <a:pt x="3313" y="3337"/>
+                  </a:lnTo>
+                  <a:lnTo>
+                    <a:pt x="3191" y="3459"/>
+                  </a:lnTo>
+                  <a:lnTo>
+                    <a:pt x="3020" y="3580"/>
+                  </a:lnTo>
+                  <a:lnTo>
+                    <a:pt x="2874" y="3678"/>
+                  </a:lnTo>
+                  <a:lnTo>
+                    <a:pt x="2704" y="3751"/>
+                  </a:lnTo>
+                  <a:lnTo>
+                    <a:pt x="2533" y="3824"/>
+                  </a:lnTo>
+                  <a:lnTo>
+                    <a:pt x="2338" y="3873"/>
+                  </a:lnTo>
+                  <a:lnTo>
+                    <a:pt x="2144" y="3897"/>
+                  </a:lnTo>
+                  <a:lnTo>
+                    <a:pt x="1949" y="3897"/>
+                  </a:lnTo>
+                  <a:lnTo>
+                    <a:pt x="1949" y="3897"/>
+                  </a:lnTo>
+                </a:path>
+              </a:pathLst>
+            </a:custGeom>
+            <a:noFill/>
+            <a:ln w="12175" cap="rnd" cmpd="sng">
+              <a:solidFill>
+                <a:srgbClr val="FF9800"/>
+              </a:solidFill>
+              <a:prstDash val="solid"/>
+              <a:round/>
+              <a:headEnd type="none" w="sm" len="sm"/>
+              <a:tailEnd type="none" w="sm" len="sm"/>
+            </a:ln>
+          </p:spPr>
+          <p:txBody>
+            <a:bodyPr spcFirstLastPara="1" wrap="square" lIns="91425" tIns="91425" rIns="91425" bIns="91425" anchor="ctr" anchorCtr="0">
+              <a:noAutofit/>
+            </a:bodyPr>
+            <a:lstStyle/>
+            <a:p>
+              <a:pPr marL="0" lvl="0" indent="0">
+                <a:spcBef>
+                  <a:spcPts val="0"/>
+                </a:spcBef>
+                <a:spcAft>
+                  <a:spcPts val="0"/>
+                </a:spcAft>
+                <a:buNone/>
+              </a:pPr>
+              <a:endParaRPr dirty="0"/>
+            </a:p>
+          </p:txBody>
+        </p:sp>
+      </p:grpSp>
+      <p:pic>
+        <p:nvPicPr>
+          <p:cNvPr id="16" name="Picture 15">
+            <a:extLst>
+              <a:ext uri="{FF2B5EF4-FFF2-40B4-BE49-F238E27FC236}">
+                <a16:creationId xmlns:a16="http://schemas.microsoft.com/office/drawing/2014/main" id="{91034CAF-2C93-475E-936D-A3C47FF21278}"/>
+              </a:ext>
+            </a:extLst>
+          </p:cNvPr>
+          <p:cNvPicPr>
+            <a:picLocks noChangeAspect="1"/>
+          </p:cNvPicPr>
+          <p:nvPr/>
+        </p:nvPicPr>
+        <p:blipFill>
+          <a:blip r:embed="rId3"/>
+          <a:stretch>
+            <a:fillRect/>
+          </a:stretch>
+        </p:blipFill>
+        <p:spPr>
+          <a:xfrm>
+            <a:off x="1225887" y="3183278"/>
+            <a:ext cx="2334588" cy="1705486"/>
+          </a:xfrm>
+          <a:prstGeom prst="rect">
+            <a:avLst/>
+          </a:prstGeom>
+        </p:spPr>
+      </p:pic>
+      <p:pic>
+        <p:nvPicPr>
+          <p:cNvPr id="3" name="Picture 2">
+            <a:extLst>
+              <a:ext uri="{FF2B5EF4-FFF2-40B4-BE49-F238E27FC236}">
+                <a16:creationId xmlns:a16="http://schemas.microsoft.com/office/drawing/2014/main" id="{316E5FCF-022F-45A2-A3D3-D6E1D09016BF}"/>
+              </a:ext>
+            </a:extLst>
+          </p:cNvPr>
+          <p:cNvPicPr>
+            <a:picLocks noChangeAspect="1"/>
+          </p:cNvPicPr>
+          <p:nvPr/>
+        </p:nvPicPr>
+        <p:blipFill>
+          <a:blip r:embed="rId4"/>
+          <a:stretch>
+            <a:fillRect/>
+          </a:stretch>
+        </p:blipFill>
+        <p:spPr>
+          <a:xfrm>
+            <a:off x="4572000" y="3183278"/>
+            <a:ext cx="2305099" cy="1705486"/>
+          </a:xfrm>
+          <a:prstGeom prst="rect">
+            <a:avLst/>
+          </a:prstGeom>
+        </p:spPr>
+      </p:pic>
+    </p:spTree>
+    <p:extLst>
+      <p:ext uri="{BB962C8B-B14F-4D97-AF65-F5344CB8AC3E}">
+        <p14:creationId xmlns:p14="http://schemas.microsoft.com/office/powerpoint/2010/main" val="3070828661"/>
+      </p:ext>
+    </p:extLst>
+  </p:cSld>
+  <p:clrMapOvr>
+    <a:masterClrMapping/>
+  </p:clrMapOvr>
+</p:sld>
+</file>
+
+<file path=ppt/slides/slide11.xml><?xml version="1.0" encoding="utf-8"?>
+<p:sld xmlns:a="http://schemas.openxmlformats.org/drawingml/2006/main" xmlns:r="http://schemas.openxmlformats.org/officeDocument/2006/relationships" xmlns:p="http://schemas.openxmlformats.org/presentationml/2006/main">
+  <p:cSld>
+    <p:spTree>
+      <p:nvGrpSpPr>
+        <p:cNvPr id="1" name="Shape 235"/>
+        <p:cNvGrpSpPr/>
+        <p:nvPr/>
+      </p:nvGrpSpPr>
+      <p:grpSpPr>
+        <a:xfrm>
+          <a:off x="0" y="0"/>
+          <a:ext cx="0" cy="0"/>
+          <a:chOff x="0" y="0"/>
+          <a:chExt cx="0" cy="0"/>
+        </a:xfrm>
+      </p:grpSpPr>
+      <p:sp>
+        <p:nvSpPr>
+          <p:cNvPr id="236" name="Google Shape;236;p16"/>
+          <p:cNvSpPr txBox="1">
+            <a:spLocks noGrp="1"/>
+          </p:cNvSpPr>
+          <p:nvPr>
+            <p:ph type="title"/>
+          </p:nvPr>
+        </p:nvSpPr>
+        <p:spPr>
+          <a:xfrm>
+            <a:off x="814275" y="392575"/>
+            <a:ext cx="5492400" cy="766200"/>
+          </a:xfrm>
+          <a:prstGeom prst="rect">
+            <a:avLst/>
+          </a:prstGeom>
+        </p:spPr>
+        <p:txBody>
+          <a:bodyPr spcFirstLastPara="1" wrap="square" lIns="91425" tIns="91425" rIns="91425" bIns="91425" anchor="ctr" anchorCtr="0">
+            <a:noAutofit/>
+          </a:bodyPr>
+          <a:lstStyle/>
+          <a:p>
+            <a:pPr marL="0" lvl="0" indent="0">
+              <a:spcBef>
+                <a:spcPts val="0"/>
+              </a:spcBef>
+              <a:spcAft>
+                <a:spcPts val="0"/>
+              </a:spcAft>
+              <a:buNone/>
+            </a:pPr>
+            <a:r>
+              <a:rPr lang="en-CA" dirty="0"/>
               <a:t>Canny Edge Detection</a:t>
             </a:r>
             <a:endParaRPr dirty="0"/>
@@ -8083,7 +9109,7 @@
             </a:pPr>
             <a:fld id="{00000000-1234-1234-1234-123412341234}" type="slidenum">
               <a:rPr lang="en"/>
-              <a:t>10</a:t>
+              <a:t>11</a:t>
             </a:fld>
             <a:endParaRPr dirty="0"/>
           </a:p>
@@ -8898,7 +9924,7 @@
 </p:sld>
 </file>
 
-<file path=ppt/slides/slide11.xml><?xml version="1.0" encoding="utf-8"?>
+<file path=ppt/slides/slide12.xml><?xml version="1.0" encoding="utf-8"?>
 <p:sld xmlns:a="http://schemas.openxmlformats.org/drawingml/2006/main" xmlns:r="http://schemas.openxmlformats.org/officeDocument/2006/relationships" xmlns:p="http://schemas.openxmlformats.org/presentationml/2006/main">
   <p:cSld>
     <p:spTree>
@@ -9066,7 +10092,7 @@
             </a:pPr>
             <a:fld id="{00000000-1234-1234-1234-123412341234}" type="slidenum">
               <a:rPr lang="en"/>
-              <a:t>11</a:t>
+              <a:t>12</a:t>
             </a:fld>
             <a:endParaRPr dirty="0"/>
           </a:p>
@@ -9881,7 +10907,7 @@
 </p:sld>
 </file>
 
-<file path=ppt/slides/slide12.xml><?xml version="1.0" encoding="utf-8"?>
+<file path=ppt/slides/slide13.xml><?xml version="1.0" encoding="utf-8"?>
 <p:sld xmlns:a="http://schemas.openxmlformats.org/drawingml/2006/main" xmlns:r="http://schemas.openxmlformats.org/officeDocument/2006/relationships" xmlns:p="http://schemas.openxmlformats.org/presentationml/2006/main">
   <p:cSld>
     <p:spTree>
@@ -10018,7 +11044,7 @@
             </a:pPr>
             <a:fld id="{00000000-1234-1234-1234-123412341234}" type="slidenum">
               <a:rPr lang="en"/>
-              <a:t>12</a:t>
+              <a:t>13</a:t>
             </a:fld>
             <a:endParaRPr dirty="0"/>
           </a:p>
@@ -10095,7 +11121,7 @@
 </p:sld>
 </file>
 
-<file path=ppt/slides/slide13.xml><?xml version="1.0" encoding="utf-8"?>
+<file path=ppt/slides/slide14.xml><?xml version="1.0" encoding="utf-8"?>
 <p:sld xmlns:a="http://schemas.openxmlformats.org/drawingml/2006/main" xmlns:r="http://schemas.openxmlformats.org/officeDocument/2006/relationships" xmlns:p="http://schemas.openxmlformats.org/presentationml/2006/main">
   <p:cSld>
     <p:spTree>
@@ -10657,7 +11683,7 @@
             </a:pPr>
             <a:fld id="{00000000-1234-1234-1234-123412341234}" type="slidenum">
               <a:rPr lang="en"/>
-              <a:t>13</a:t>
+              <a:t>14</a:t>
             </a:fld>
             <a:endParaRPr dirty="0"/>
           </a:p>
@@ -10728,7 +11754,7 @@
       <p:pic>
         <p:nvPicPr>
           <p:cNvPr id="2052" name="Picture 4" descr="Image result for windows 95 desktop">
-            <a:hlinkClick r:id="rId3" action="ppaction://program"/>
+            <a:hlinkClick r:id="rId3" action="ppaction://hlinkfile"/>
             <a:extLst>
               <a:ext uri="{FF2B5EF4-FFF2-40B4-BE49-F238E27FC236}">
                 <a16:creationId xmlns:a16="http://schemas.microsoft.com/office/drawing/2014/main" id="{EE3D46F9-6502-4B23-842B-99658B6E063C}"/>
@@ -10786,7 +11812,7 @@
 </p:sld>
 </file>
 
-<file path=ppt/slides/slide14.xml><?xml version="1.0" encoding="utf-8"?>
+<file path=ppt/slides/slide15.xml><?xml version="1.0" encoding="utf-8"?>
 <p:sld xmlns:a="http://schemas.openxmlformats.org/drawingml/2006/main" xmlns:r="http://schemas.openxmlformats.org/officeDocument/2006/relationships" xmlns:p="http://schemas.openxmlformats.org/presentationml/2006/main">
   <p:cSld>
     <p:spTree>
@@ -11348,7 +12374,7 @@
             </a:pPr>
             <a:fld id="{00000000-1234-1234-1234-123412341234}" type="slidenum">
               <a:rPr lang="en"/>
-              <a:t>14</a:t>
+              <a:t>15</a:t>
             </a:fld>
             <a:endParaRPr dirty="0"/>
           </a:p>
@@ -11419,7 +12445,7 @@
       <p:pic>
         <p:nvPicPr>
           <p:cNvPr id="6" name="Picture 4" descr="Image result for windows 95 desktop">
-            <a:hlinkClick r:id="rId3" action="ppaction://program"/>
+            <a:hlinkClick r:id="rId3" action="ppaction://hlinkfile"/>
             <a:extLst>
               <a:ext uri="{FF2B5EF4-FFF2-40B4-BE49-F238E27FC236}">
                 <a16:creationId xmlns:a16="http://schemas.microsoft.com/office/drawing/2014/main" id="{7D4FA682-148D-44A2-93AB-1EA6D00AF965}"/>
@@ -11477,7 +12503,7 @@
 </p:sld>
 </file>
 
-<file path=ppt/slides/slide15.xml><?xml version="1.0" encoding="utf-8"?>
+<file path=ppt/slides/slide16.xml><?xml version="1.0" encoding="utf-8"?>
 <p:sld xmlns:a="http://schemas.openxmlformats.org/drawingml/2006/main" xmlns:r="http://schemas.openxmlformats.org/officeDocument/2006/relationships" xmlns:p="http://schemas.openxmlformats.org/presentationml/2006/main">
   <p:cSld>
     <p:spTree>
@@ -11572,7 +12598,7 @@
             </a:pPr>
             <a:fld id="{00000000-1234-1234-1234-123412341234}" type="slidenum">
               <a:rPr lang="en"/>
-              <a:t>15</a:t>
+              <a:t>16</a:t>
             </a:fld>
             <a:endParaRPr dirty="0"/>
           </a:p>
@@ -13150,7 +14176,7 @@
 </p:sld>
 </file>
 
-<file path=ppt/slides/slide16.xml><?xml version="1.0" encoding="utf-8"?>
+<file path=ppt/slides/slide17.xml><?xml version="1.0" encoding="utf-8"?>
 <p:sld xmlns:a="http://schemas.openxmlformats.org/drawingml/2006/main" xmlns:r="http://schemas.openxmlformats.org/officeDocument/2006/relationships" xmlns:p="http://schemas.openxmlformats.org/presentationml/2006/main">
   <p:cSld>
     <p:spTree>
@@ -13203,7 +14229,7 @@
             </a:pPr>
             <a:fld id="{00000000-1234-1234-1234-123412341234}" type="slidenum">
               <a:rPr lang="en"/>
-              <a:t>16</a:t>
+              <a:t>17</a:t>
             </a:fld>
             <a:endParaRPr dirty="0"/>
           </a:p>
@@ -14194,6 +15220,223 @@
   <p:cSld>
     <p:spTree>
       <p:nvGrpSpPr>
+        <p:cNvPr id="1" name=""/>
+        <p:cNvGrpSpPr/>
+        <p:nvPr/>
+      </p:nvGrpSpPr>
+      <p:grpSpPr>
+        <a:xfrm>
+          <a:off x="0" y="0"/>
+          <a:ext cx="0" cy="0"/>
+          <a:chOff x="0" y="0"/>
+          <a:chExt cx="0" cy="0"/>
+        </a:xfrm>
+      </p:grpSpPr>
+      <p:sp>
+        <p:nvSpPr>
+          <p:cNvPr id="3" name="Title 2">
+            <a:extLst>
+              <a:ext uri="{FF2B5EF4-FFF2-40B4-BE49-F238E27FC236}">
+                <a16:creationId xmlns:a16="http://schemas.microsoft.com/office/drawing/2014/main" id="{3D1788F5-BC32-4B02-BFAA-EC358F6D2413}"/>
+              </a:ext>
+            </a:extLst>
+          </p:cNvPr>
+          <p:cNvSpPr>
+            <a:spLocks noGrp="1"/>
+          </p:cNvSpPr>
+          <p:nvPr>
+            <p:ph type="title"/>
+          </p:nvPr>
+        </p:nvSpPr>
+        <p:spPr/>
+        <p:txBody>
+          <a:bodyPr/>
+          <a:lstStyle/>
+          <a:p>
+            <a:r>
+              <a:rPr lang="en-CA" dirty="0"/>
+              <a:t>Background</a:t>
+            </a:r>
+          </a:p>
+        </p:txBody>
+      </p:sp>
+      <p:sp>
+        <p:nvSpPr>
+          <p:cNvPr id="5" name="Text Placeholder 4">
+            <a:extLst>
+              <a:ext uri="{FF2B5EF4-FFF2-40B4-BE49-F238E27FC236}">
+                <a16:creationId xmlns:a16="http://schemas.microsoft.com/office/drawing/2014/main" id="{07C9DD96-7C74-4E0F-BA12-8EE30B5A4AF2}"/>
+              </a:ext>
+            </a:extLst>
+          </p:cNvPr>
+          <p:cNvSpPr>
+            <a:spLocks noGrp="1"/>
+          </p:cNvSpPr>
+          <p:nvPr>
+            <p:ph type="body" idx="1"/>
+          </p:nvPr>
+        </p:nvSpPr>
+        <p:spPr/>
+        <p:txBody>
+          <a:bodyPr/>
+          <a:lstStyle/>
+          <a:p>
+            <a:r>
+              <a:rPr lang="en-CA" dirty="0"/>
+              <a:t>Machine vision is used for PCB assembly and rework</a:t>
+            </a:r>
+          </a:p>
+          <a:p>
+            <a:endParaRPr lang="en-CA" dirty="0"/>
+          </a:p>
+          <a:p>
+            <a:r>
+              <a:rPr lang="en-CA" dirty="0"/>
+              <a:t>Use Image Processing techniques to identify the PCB</a:t>
+            </a:r>
+          </a:p>
+        </p:txBody>
+      </p:sp>
+      <p:sp>
+        <p:nvSpPr>
+          <p:cNvPr id="2" name="Slide Number Placeholder 1">
+            <a:extLst>
+              <a:ext uri="{FF2B5EF4-FFF2-40B4-BE49-F238E27FC236}">
+                <a16:creationId xmlns:a16="http://schemas.microsoft.com/office/drawing/2014/main" id="{336DD93D-44B6-451F-8C38-AB8174692C4C}"/>
+              </a:ext>
+            </a:extLst>
+          </p:cNvPr>
+          <p:cNvSpPr>
+            <a:spLocks noGrp="1"/>
+          </p:cNvSpPr>
+          <p:nvPr>
+            <p:ph type="sldNum" idx="12"/>
+          </p:nvPr>
+        </p:nvSpPr>
+        <p:spPr/>
+        <p:txBody>
+          <a:bodyPr/>
+          <a:lstStyle/>
+          <a:p>
+            <a:pPr marL="0" lvl="0" indent="0">
+              <a:spcBef>
+                <a:spcPts val="0"/>
+              </a:spcBef>
+              <a:spcAft>
+                <a:spcPts val="0"/>
+              </a:spcAft>
+              <a:buNone/>
+            </a:pPr>
+            <a:fld id="{00000000-1234-1234-1234-123412341234}" type="slidenum">
+              <a:rPr lang="en" smtClean="0"/>
+              <a:t>3</a:t>
+            </a:fld>
+            <a:endParaRPr lang="en" dirty="0"/>
+          </a:p>
+        </p:txBody>
+      </p:sp>
+      <p:pic>
+        <p:nvPicPr>
+          <p:cNvPr id="13" name="Picture 12">
+            <a:extLst>
+              <a:ext uri="{FF2B5EF4-FFF2-40B4-BE49-F238E27FC236}">
+                <a16:creationId xmlns:a16="http://schemas.microsoft.com/office/drawing/2014/main" id="{A796F878-E88D-4656-B15B-AEB7941E24B3}"/>
+              </a:ext>
+            </a:extLst>
+          </p:cNvPr>
+          <p:cNvPicPr>
+            <a:picLocks noChangeAspect="1"/>
+          </p:cNvPicPr>
+          <p:nvPr/>
+        </p:nvPicPr>
+        <p:blipFill>
+          <a:blip r:embed="rId2">
+            <a:extLst>
+              <a:ext uri="{837473B0-CC2E-450A-ABE3-18F120FF3D39}">
+                <a1611:picAttrSrcUrl xmlns:a1611="http://schemas.microsoft.com/office/drawing/2016/11/main" r:id="rId3"/>
+              </a:ext>
+            </a:extLst>
+          </a:blip>
+          <a:stretch>
+            <a:fillRect/>
+          </a:stretch>
+        </p:blipFill>
+        <p:spPr>
+          <a:xfrm>
+            <a:off x="4506259" y="1659826"/>
+            <a:ext cx="3224875" cy="2483153"/>
+          </a:xfrm>
+          <a:prstGeom prst="rect">
+            <a:avLst/>
+          </a:prstGeom>
+        </p:spPr>
+      </p:pic>
+      <p:sp>
+        <p:nvSpPr>
+          <p:cNvPr id="14" name="TextBox 13">
+            <a:extLst>
+              <a:ext uri="{FF2B5EF4-FFF2-40B4-BE49-F238E27FC236}">
+                <a16:creationId xmlns:a16="http://schemas.microsoft.com/office/drawing/2014/main" id="{DFA7C9DE-2DB2-4365-B0E5-4E828537CB21}"/>
+              </a:ext>
+            </a:extLst>
+          </p:cNvPr>
+          <p:cNvSpPr txBox="1"/>
+          <p:nvPr/>
+        </p:nvSpPr>
+        <p:spPr>
+          <a:xfrm>
+            <a:off x="4743024" y="4142979"/>
+            <a:ext cx="2874976" cy="369332"/>
+          </a:xfrm>
+          <a:prstGeom prst="rect">
+            <a:avLst/>
+          </a:prstGeom>
+          <a:noFill/>
+        </p:spPr>
+        <p:txBody>
+          <a:bodyPr wrap="square" rtlCol="0">
+            <a:spAutoFit/>
+          </a:bodyPr>
+          <a:lstStyle/>
+          <a:p>
+            <a:r>
+              <a:rPr lang="en-CA" sz="900">
+                <a:hlinkClick r:id="rId3" tooltip="http://www.ladyada.net/wiki/mdcpickandplace/fiducials"/>
+              </a:rPr>
+              <a:t>This Photo</a:t>
+            </a:r>
+            <a:r>
+              <a:rPr lang="en-CA" sz="900"/>
+              <a:t> by Unknown Author is licensed under </a:t>
+            </a:r>
+            <a:r>
+              <a:rPr lang="en-CA" sz="900">
+                <a:hlinkClick r:id="rId4" tooltip="https://creativecommons.org/licenses/by-sa/4.0/"/>
+              </a:rPr>
+              <a:t>CC BY-SA</a:t>
+            </a:r>
+            <a:endParaRPr lang="en-CA" sz="900"/>
+          </a:p>
+        </p:txBody>
+      </p:sp>
+    </p:spTree>
+    <p:extLst>
+      <p:ext uri="{BB962C8B-B14F-4D97-AF65-F5344CB8AC3E}">
+        <p14:creationId xmlns:p14="http://schemas.microsoft.com/office/powerpoint/2010/main" val="4040874916"/>
+      </p:ext>
+    </p:extLst>
+  </p:cSld>
+  <p:clrMapOvr>
+    <a:masterClrMapping/>
+  </p:clrMapOvr>
+</p:sld>
+</file>
+
+<file path=ppt/slides/slide4.xml><?xml version="1.0" encoding="utf-8"?>
+<p:sld xmlns:a="http://schemas.openxmlformats.org/drawingml/2006/main" xmlns:r="http://schemas.openxmlformats.org/officeDocument/2006/relationships" xmlns:p="http://schemas.openxmlformats.org/presentationml/2006/main">
+  <p:cSld>
+    <p:spTree>
+      <p:nvGrpSpPr>
         <p:cNvPr id="1" name="Shape 220"/>
         <p:cNvGrpSpPr/>
         <p:nvPr/>
@@ -14326,7 +15569,7 @@
             </a:pPr>
             <a:fld id="{00000000-1234-1234-1234-123412341234}" type="slidenum">
               <a:rPr lang="en"/>
-              <a:t>3</a:t>
+              <a:t>4</a:t>
             </a:fld>
             <a:endParaRPr dirty="0"/>
           </a:p>
@@ -14398,7 +15641,7 @@
 </p:sld>
 </file>
 
-<file path=ppt/slides/slide4.xml><?xml version="1.0" encoding="utf-8"?>
+<file path=ppt/slides/slide5.xml><?xml version="1.0" encoding="utf-8"?>
 <p:sld xmlns:a="http://schemas.openxmlformats.org/drawingml/2006/main" xmlns:r="http://schemas.openxmlformats.org/officeDocument/2006/relationships" xmlns:p="http://schemas.openxmlformats.org/presentationml/2006/main">
   <p:cSld>
     <p:spTree>
@@ -14553,7 +15796,7 @@
             </a:pPr>
             <a:fld id="{00000000-1234-1234-1234-123412341234}" type="slidenum">
               <a:rPr lang="en"/>
-              <a:t>4</a:t>
+              <a:t>5</a:t>
             </a:fld>
             <a:endParaRPr dirty="0"/>
           </a:p>
@@ -15403,7 +16646,7 @@
 </p:sld>
 </file>
 
-<file path=ppt/slides/slide5.xml><?xml version="1.0" encoding="utf-8"?>
+<file path=ppt/slides/slide6.xml><?xml version="1.0" encoding="utf-8"?>
 <p:sld xmlns:a="http://schemas.openxmlformats.org/drawingml/2006/main" xmlns:r="http://schemas.openxmlformats.org/officeDocument/2006/relationships" xmlns:p="http://schemas.openxmlformats.org/presentationml/2006/main">
   <p:cSld>
     <p:spTree>
@@ -15558,7 +16801,7 @@
             </a:pPr>
             <a:fld id="{00000000-1234-1234-1234-123412341234}" type="slidenum">
               <a:rPr lang="en"/>
-              <a:t>5</a:t>
+              <a:t>6</a:t>
             </a:fld>
             <a:endParaRPr dirty="0"/>
           </a:p>
@@ -16420,7 +17663,7 @@
 </p:sld>
 </file>
 
-<file path=ppt/slides/slide6.xml><?xml version="1.0" encoding="utf-8"?>
+<file path=ppt/slides/slide7.xml><?xml version="1.0" encoding="utf-8"?>
 <p:sld xmlns:a="http://schemas.openxmlformats.org/drawingml/2006/main" xmlns:r="http://schemas.openxmlformats.org/officeDocument/2006/relationships" xmlns:p="http://schemas.openxmlformats.org/presentationml/2006/main">
   <p:cSld>
     <p:spTree>
@@ -16575,7 +17818,7 @@
             </a:pPr>
             <a:fld id="{00000000-1234-1234-1234-123412341234}" type="slidenum">
               <a:rPr lang="en"/>
-              <a:t>6</a:t>
+              <a:t>7</a:t>
             </a:fld>
             <a:endParaRPr dirty="0"/>
           </a:p>
@@ -17390,7 +18633,7 @@
 </p:sld>
 </file>
 
-<file path=ppt/slides/slide7.xml><?xml version="1.0" encoding="utf-8"?>
+<file path=ppt/slides/slide8.xml><?xml version="1.0" encoding="utf-8"?>
 <p:sld xmlns:a="http://schemas.openxmlformats.org/drawingml/2006/main" xmlns:r="http://schemas.openxmlformats.org/officeDocument/2006/relationships" xmlns:p="http://schemas.openxmlformats.org/presentationml/2006/main">
   <p:cSld>
     <p:spTree>
@@ -17561,7 +18804,7 @@
             </a:pPr>
             <a:fld id="{00000000-1234-1234-1234-123412341234}" type="slidenum">
               <a:rPr lang="en"/>
-              <a:t>7</a:t>
+              <a:t>8</a:t>
             </a:fld>
             <a:endParaRPr dirty="0"/>
           </a:p>
@@ -18376,7 +19619,7 @@
 </p:sld>
 </file>
 
-<file path=ppt/slides/slide8.xml><?xml version="1.0" encoding="utf-8"?>
+<file path=ppt/slides/slide9.xml><?xml version="1.0" encoding="utf-8"?>
 <p:sld xmlns:a="http://schemas.openxmlformats.org/drawingml/2006/main" xmlns:r="http://schemas.openxmlformats.org/officeDocument/2006/relationships" xmlns:p="http://schemas.openxmlformats.org/presentationml/2006/main">
   <p:cSld>
     <p:spTree>
@@ -18537,7 +19780,7 @@
             </a:pPr>
             <a:fld id="{00000000-1234-1234-1234-123412341234}" type="slidenum">
               <a:rPr lang="en"/>
-              <a:t>8</a:t>
+              <a:t>9</a:t>
             </a:fld>
             <a:endParaRPr dirty="0"/>
           </a:p>
@@ -19373,964 +20616,6 @@
     <p:extLst>
       <p:ext uri="{BB962C8B-B14F-4D97-AF65-F5344CB8AC3E}">
         <p14:creationId xmlns:p14="http://schemas.microsoft.com/office/powerpoint/2010/main" val="2327725661"/>
-      </p:ext>
-    </p:extLst>
-  </p:cSld>
-  <p:clrMapOvr>
-    <a:masterClrMapping/>
-  </p:clrMapOvr>
-</p:sld>
-</file>
-
-<file path=ppt/slides/slide9.xml><?xml version="1.0" encoding="utf-8"?>
-<p:sld xmlns:a="http://schemas.openxmlformats.org/drawingml/2006/main" xmlns:r="http://schemas.openxmlformats.org/officeDocument/2006/relationships" xmlns:p="http://schemas.openxmlformats.org/presentationml/2006/main">
-  <p:cSld>
-    <p:spTree>
-      <p:nvGrpSpPr>
-        <p:cNvPr id="1" name="Shape 235"/>
-        <p:cNvGrpSpPr/>
-        <p:nvPr/>
-      </p:nvGrpSpPr>
-      <p:grpSpPr>
-        <a:xfrm>
-          <a:off x="0" y="0"/>
-          <a:ext cx="0" cy="0"/>
-          <a:chOff x="0" y="0"/>
-          <a:chExt cx="0" cy="0"/>
-        </a:xfrm>
-      </p:grpSpPr>
-      <p:sp>
-        <p:nvSpPr>
-          <p:cNvPr id="236" name="Google Shape;236;p16"/>
-          <p:cNvSpPr txBox="1">
-            <a:spLocks noGrp="1"/>
-          </p:cNvSpPr>
-          <p:nvPr>
-            <p:ph type="title"/>
-          </p:nvPr>
-        </p:nvSpPr>
-        <p:spPr>
-          <a:xfrm>
-            <a:off x="814275" y="392575"/>
-            <a:ext cx="5492400" cy="766200"/>
-          </a:xfrm>
-          <a:prstGeom prst="rect">
-            <a:avLst/>
-          </a:prstGeom>
-        </p:spPr>
-        <p:txBody>
-          <a:bodyPr spcFirstLastPara="1" wrap="square" lIns="91425" tIns="91425" rIns="91425" bIns="91425" anchor="ctr" anchorCtr="0">
-            <a:noAutofit/>
-          </a:bodyPr>
-          <a:lstStyle/>
-          <a:p>
-            <a:pPr marL="0" lvl="0" indent="0">
-              <a:spcBef>
-                <a:spcPts val="0"/>
-              </a:spcBef>
-              <a:spcAft>
-                <a:spcPts val="0"/>
-              </a:spcAft>
-              <a:buNone/>
-            </a:pPr>
-            <a:r>
-              <a:rPr lang="en-CA" dirty="0"/>
-              <a:t>HSV to Grayscale</a:t>
-            </a:r>
-            <a:endParaRPr dirty="0"/>
-          </a:p>
-        </p:txBody>
-      </p:sp>
-      <p:sp>
-        <p:nvSpPr>
-          <p:cNvPr id="237" name="Google Shape;237;p16"/>
-          <p:cNvSpPr txBox="1">
-            <a:spLocks noGrp="1"/>
-          </p:cNvSpPr>
-          <p:nvPr>
-            <p:ph type="body" idx="1"/>
-          </p:nvPr>
-        </p:nvSpPr>
-        <p:spPr>
-          <a:xfrm>
-            <a:off x="814275" y="1327350"/>
-            <a:ext cx="6132600" cy="1504750"/>
-          </a:xfrm>
-          <a:prstGeom prst="rect">
-            <a:avLst/>
-          </a:prstGeom>
-        </p:spPr>
-        <p:txBody>
-          <a:bodyPr spcFirstLastPara="1" wrap="square" lIns="91425" tIns="91425" rIns="91425" bIns="91425" anchor="ctr" anchorCtr="0">
-            <a:noAutofit/>
-          </a:bodyPr>
-          <a:lstStyle/>
-          <a:p>
-            <a:pPr>
-              <a:spcBef>
-                <a:spcPts val="0"/>
-              </a:spcBef>
-            </a:pPr>
-            <a:r>
-              <a:rPr lang="en-CA" dirty="0"/>
-              <a:t>The HSV image still has distinct regions of hue difference that are detected as edges by Canny</a:t>
-            </a:r>
-          </a:p>
-          <a:p>
-            <a:pPr>
-              <a:spcBef>
-                <a:spcPts val="0"/>
-              </a:spcBef>
-            </a:pPr>
-            <a:r>
-              <a:rPr lang="en-CA" dirty="0"/>
-              <a:t>Converting to grayscale reduces this effect</a:t>
-            </a:r>
-          </a:p>
-        </p:txBody>
-      </p:sp>
-      <p:sp>
-        <p:nvSpPr>
-          <p:cNvPr id="238" name="Google Shape;238;p16"/>
-          <p:cNvSpPr txBox="1">
-            <a:spLocks noGrp="1"/>
-          </p:cNvSpPr>
-          <p:nvPr>
-            <p:ph type="sldNum" idx="12"/>
-          </p:nvPr>
-        </p:nvSpPr>
-        <p:spPr>
-          <a:xfrm>
-            <a:off x="7618000" y="4636500"/>
-            <a:ext cx="1487400" cy="315600"/>
-          </a:xfrm>
-          <a:prstGeom prst="rect">
-            <a:avLst/>
-          </a:prstGeom>
-        </p:spPr>
-        <p:txBody>
-          <a:bodyPr spcFirstLastPara="1" wrap="square" lIns="91425" tIns="91425" rIns="91425" bIns="91425" anchor="ctr" anchorCtr="0">
-            <a:noAutofit/>
-          </a:bodyPr>
-          <a:lstStyle/>
-          <a:p>
-            <a:pPr marL="0" lvl="0" indent="0">
-              <a:spcBef>
-                <a:spcPts val="0"/>
-              </a:spcBef>
-              <a:spcAft>
-                <a:spcPts val="0"/>
-              </a:spcAft>
-              <a:buNone/>
-            </a:pPr>
-            <a:fld id="{00000000-1234-1234-1234-123412341234}" type="slidenum">
-              <a:rPr lang="en"/>
-              <a:t>9</a:t>
-            </a:fld>
-            <a:endParaRPr dirty="0"/>
-          </a:p>
-        </p:txBody>
-      </p:sp>
-      <p:grpSp>
-        <p:nvGrpSpPr>
-          <p:cNvPr id="10" name="Google Shape;557;p37">
-            <a:extLst>
-              <a:ext uri="{FF2B5EF4-FFF2-40B4-BE49-F238E27FC236}">
-                <a16:creationId xmlns:a16="http://schemas.microsoft.com/office/drawing/2014/main" id="{F0E3F945-B794-4CC8-A342-514099F1E291}"/>
-              </a:ext>
-            </a:extLst>
-          </p:cNvPr>
-          <p:cNvGrpSpPr/>
-          <p:nvPr/>
-        </p:nvGrpSpPr>
-        <p:grpSpPr>
-          <a:xfrm>
-            <a:off x="264548" y="634534"/>
-            <a:ext cx="321028" cy="282282"/>
-            <a:chOff x="1929775" y="320925"/>
-            <a:chExt cx="423800" cy="372650"/>
-          </a:xfrm>
-        </p:grpSpPr>
-        <p:sp>
-          <p:nvSpPr>
-            <p:cNvPr id="11" name="Google Shape;558;p37">
-              <a:extLst>
-                <a:ext uri="{FF2B5EF4-FFF2-40B4-BE49-F238E27FC236}">
-                  <a16:creationId xmlns:a16="http://schemas.microsoft.com/office/drawing/2014/main" id="{2A389803-45E5-44AA-93E0-E98F963A4771}"/>
-                </a:ext>
-              </a:extLst>
-            </p:cNvPr>
-            <p:cNvSpPr/>
-            <p:nvPr/>
-          </p:nvSpPr>
-          <p:spPr>
-            <a:xfrm>
-              <a:off x="1929775" y="320925"/>
-              <a:ext cx="423800" cy="372650"/>
-            </a:xfrm>
-            <a:custGeom>
-              <a:avLst/>
-              <a:gdLst/>
-              <a:ahLst/>
-              <a:cxnLst/>
-              <a:rect l="0" t="0" r="0" b="0"/>
-              <a:pathLst>
-                <a:path w="16952" h="14906" fill="none" extrusionOk="0">
-                  <a:moveTo>
-                    <a:pt x="16172" y="0"/>
-                  </a:moveTo>
-                  <a:lnTo>
-                    <a:pt x="780" y="0"/>
-                  </a:lnTo>
-                  <a:lnTo>
-                    <a:pt x="780" y="0"/>
-                  </a:lnTo>
-                  <a:lnTo>
-                    <a:pt x="634" y="25"/>
-                  </a:lnTo>
-                  <a:lnTo>
-                    <a:pt x="488" y="73"/>
-                  </a:lnTo>
-                  <a:lnTo>
-                    <a:pt x="341" y="146"/>
-                  </a:lnTo>
-                  <a:lnTo>
-                    <a:pt x="220" y="244"/>
-                  </a:lnTo>
-                  <a:lnTo>
-                    <a:pt x="122" y="341"/>
-                  </a:lnTo>
-                  <a:lnTo>
-                    <a:pt x="74" y="487"/>
-                  </a:lnTo>
-                  <a:lnTo>
-                    <a:pt x="25" y="634"/>
-                  </a:lnTo>
-                  <a:lnTo>
-                    <a:pt x="0" y="780"/>
-                  </a:lnTo>
-                  <a:lnTo>
-                    <a:pt x="0" y="14126"/>
-                  </a:lnTo>
-                  <a:lnTo>
-                    <a:pt x="0" y="14126"/>
-                  </a:lnTo>
-                  <a:lnTo>
-                    <a:pt x="25" y="14272"/>
-                  </a:lnTo>
-                  <a:lnTo>
-                    <a:pt x="74" y="14418"/>
-                  </a:lnTo>
-                  <a:lnTo>
-                    <a:pt x="122" y="14565"/>
-                  </a:lnTo>
-                  <a:lnTo>
-                    <a:pt x="220" y="14662"/>
-                  </a:lnTo>
-                  <a:lnTo>
-                    <a:pt x="341" y="14759"/>
-                  </a:lnTo>
-                  <a:lnTo>
-                    <a:pt x="488" y="14832"/>
-                  </a:lnTo>
-                  <a:lnTo>
-                    <a:pt x="634" y="14881"/>
-                  </a:lnTo>
-                  <a:lnTo>
-                    <a:pt x="780" y="14906"/>
-                  </a:lnTo>
-                  <a:lnTo>
-                    <a:pt x="16172" y="14906"/>
-                  </a:lnTo>
-                  <a:lnTo>
-                    <a:pt x="16172" y="14906"/>
-                  </a:lnTo>
-                  <a:lnTo>
-                    <a:pt x="16318" y="14881"/>
-                  </a:lnTo>
-                  <a:lnTo>
-                    <a:pt x="16464" y="14832"/>
-                  </a:lnTo>
-                  <a:lnTo>
-                    <a:pt x="16611" y="14759"/>
-                  </a:lnTo>
-                  <a:lnTo>
-                    <a:pt x="16732" y="14662"/>
-                  </a:lnTo>
-                  <a:lnTo>
-                    <a:pt x="16830" y="14565"/>
-                  </a:lnTo>
-                  <a:lnTo>
-                    <a:pt x="16878" y="14418"/>
-                  </a:lnTo>
-                  <a:lnTo>
-                    <a:pt x="16927" y="14272"/>
-                  </a:lnTo>
-                  <a:lnTo>
-                    <a:pt x="16952" y="14126"/>
-                  </a:lnTo>
-                  <a:lnTo>
-                    <a:pt x="16952" y="780"/>
-                  </a:lnTo>
-                  <a:lnTo>
-                    <a:pt x="16952" y="780"/>
-                  </a:lnTo>
-                  <a:lnTo>
-                    <a:pt x="16927" y="634"/>
-                  </a:lnTo>
-                  <a:lnTo>
-                    <a:pt x="16878" y="487"/>
-                  </a:lnTo>
-                  <a:lnTo>
-                    <a:pt x="16830" y="341"/>
-                  </a:lnTo>
-                  <a:lnTo>
-                    <a:pt x="16732" y="244"/>
-                  </a:lnTo>
-                  <a:lnTo>
-                    <a:pt x="16611" y="146"/>
-                  </a:lnTo>
-                  <a:lnTo>
-                    <a:pt x="16464" y="73"/>
-                  </a:lnTo>
-                  <a:lnTo>
-                    <a:pt x="16318" y="25"/>
-                  </a:lnTo>
-                  <a:lnTo>
-                    <a:pt x="16172" y="0"/>
-                  </a:lnTo>
-                  <a:lnTo>
-                    <a:pt x="16172" y="0"/>
-                  </a:lnTo>
-                  <a:close/>
-                </a:path>
-              </a:pathLst>
-            </a:custGeom>
-            <a:noFill/>
-            <a:ln w="12175" cap="rnd" cmpd="sng">
-              <a:solidFill>
-                <a:srgbClr val="FF9800"/>
-              </a:solidFill>
-              <a:prstDash val="solid"/>
-              <a:round/>
-              <a:headEnd type="none" w="sm" len="sm"/>
-              <a:tailEnd type="none" w="sm" len="sm"/>
-            </a:ln>
-          </p:spPr>
-          <p:txBody>
-            <a:bodyPr spcFirstLastPara="1" wrap="square" lIns="91425" tIns="91425" rIns="91425" bIns="91425" anchor="ctr" anchorCtr="0">
-              <a:noAutofit/>
-            </a:bodyPr>
-            <a:lstStyle/>
-            <a:p>
-              <a:pPr marL="0" lvl="0" indent="0">
-                <a:spcBef>
-                  <a:spcPts val="0"/>
-                </a:spcBef>
-                <a:spcAft>
-                  <a:spcPts val="0"/>
-                </a:spcAft>
-                <a:buNone/>
-              </a:pPr>
-              <a:endParaRPr dirty="0"/>
-            </a:p>
-          </p:txBody>
-        </p:sp>
-        <p:sp>
-          <p:nvSpPr>
-            <p:cNvPr id="12" name="Google Shape;559;p37">
-              <a:extLst>
-                <a:ext uri="{FF2B5EF4-FFF2-40B4-BE49-F238E27FC236}">
-                  <a16:creationId xmlns:a16="http://schemas.microsoft.com/office/drawing/2014/main" id="{23660178-9752-4F92-881F-CD61361FB3ED}"/>
-                </a:ext>
-              </a:extLst>
-            </p:cNvPr>
-            <p:cNvSpPr/>
-            <p:nvPr/>
-          </p:nvSpPr>
-          <p:spPr>
-            <a:xfrm>
-              <a:off x="1954125" y="345275"/>
-              <a:ext cx="375100" cy="323950"/>
-            </a:xfrm>
-            <a:custGeom>
-              <a:avLst/>
-              <a:gdLst/>
-              <a:ahLst/>
-              <a:cxnLst/>
-              <a:rect l="0" t="0" r="0" b="0"/>
-              <a:pathLst>
-                <a:path w="15004" h="12958" fill="none" extrusionOk="0">
-                  <a:moveTo>
-                    <a:pt x="15003" y="12957"/>
-                  </a:moveTo>
-                  <a:lnTo>
-                    <a:pt x="1" y="12957"/>
-                  </a:lnTo>
-                  <a:lnTo>
-                    <a:pt x="1" y="0"/>
-                  </a:lnTo>
-                  <a:lnTo>
-                    <a:pt x="15003" y="0"/>
-                  </a:lnTo>
-                  <a:lnTo>
-                    <a:pt x="15003" y="12957"/>
-                  </a:lnTo>
-                  <a:close/>
-                </a:path>
-              </a:pathLst>
-            </a:custGeom>
-            <a:noFill/>
-            <a:ln w="12175" cap="rnd" cmpd="sng">
-              <a:solidFill>
-                <a:srgbClr val="FF9800"/>
-              </a:solidFill>
-              <a:prstDash val="solid"/>
-              <a:round/>
-              <a:headEnd type="none" w="sm" len="sm"/>
-              <a:tailEnd type="none" w="sm" len="sm"/>
-            </a:ln>
-          </p:spPr>
-          <p:txBody>
-            <a:bodyPr spcFirstLastPara="1" wrap="square" lIns="91425" tIns="91425" rIns="91425" bIns="91425" anchor="ctr" anchorCtr="0">
-              <a:noAutofit/>
-            </a:bodyPr>
-            <a:lstStyle/>
-            <a:p>
-              <a:pPr marL="0" lvl="0" indent="0">
-                <a:spcBef>
-                  <a:spcPts val="0"/>
-                </a:spcBef>
-                <a:spcAft>
-                  <a:spcPts val="0"/>
-                </a:spcAft>
-                <a:buNone/>
-              </a:pPr>
-              <a:endParaRPr dirty="0"/>
-            </a:p>
-          </p:txBody>
-        </p:sp>
-        <p:sp>
-          <p:nvSpPr>
-            <p:cNvPr id="13" name="Google Shape;560;p37">
-              <a:extLst>
-                <a:ext uri="{FF2B5EF4-FFF2-40B4-BE49-F238E27FC236}">
-                  <a16:creationId xmlns:a16="http://schemas.microsoft.com/office/drawing/2014/main" id="{0B7DDC87-BFD0-4716-ABBE-733066C4E151}"/>
-                </a:ext>
-              </a:extLst>
-            </p:cNvPr>
-            <p:cNvSpPr/>
-            <p:nvPr/>
-          </p:nvSpPr>
-          <p:spPr>
-            <a:xfrm>
-              <a:off x="2162375" y="534625"/>
-              <a:ext cx="146750" cy="113275"/>
-            </a:xfrm>
-            <a:custGeom>
-              <a:avLst/>
-              <a:gdLst/>
-              <a:ahLst/>
-              <a:cxnLst/>
-              <a:rect l="0" t="0" r="0" b="0"/>
-              <a:pathLst>
-                <a:path w="5870" h="4531" fill="none" extrusionOk="0">
-                  <a:moveTo>
-                    <a:pt x="0" y="2266"/>
-                  </a:moveTo>
-                  <a:lnTo>
-                    <a:pt x="1534" y="244"/>
-                  </a:lnTo>
-                  <a:lnTo>
-                    <a:pt x="1534" y="244"/>
-                  </a:lnTo>
-                  <a:lnTo>
-                    <a:pt x="1632" y="147"/>
-                  </a:lnTo>
-                  <a:lnTo>
-                    <a:pt x="1754" y="50"/>
-                  </a:lnTo>
-                  <a:lnTo>
-                    <a:pt x="1875" y="1"/>
-                  </a:lnTo>
-                  <a:lnTo>
-                    <a:pt x="2022" y="1"/>
-                  </a:lnTo>
-                  <a:lnTo>
-                    <a:pt x="2143" y="1"/>
-                  </a:lnTo>
-                  <a:lnTo>
-                    <a:pt x="2289" y="50"/>
-                  </a:lnTo>
-                  <a:lnTo>
-                    <a:pt x="2411" y="147"/>
-                  </a:lnTo>
-                  <a:lnTo>
-                    <a:pt x="2509" y="244"/>
-                  </a:lnTo>
-                  <a:lnTo>
-                    <a:pt x="5870" y="4531"/>
-                  </a:lnTo>
-                </a:path>
-              </a:pathLst>
-            </a:custGeom>
-            <a:noFill/>
-            <a:ln w="12175" cap="rnd" cmpd="sng">
-              <a:solidFill>
-                <a:srgbClr val="FF9800"/>
-              </a:solidFill>
-              <a:prstDash val="solid"/>
-              <a:round/>
-              <a:headEnd type="none" w="sm" len="sm"/>
-              <a:tailEnd type="none" w="sm" len="sm"/>
-            </a:ln>
-          </p:spPr>
-          <p:txBody>
-            <a:bodyPr spcFirstLastPara="1" wrap="square" lIns="91425" tIns="91425" rIns="91425" bIns="91425" anchor="ctr" anchorCtr="0">
-              <a:noAutofit/>
-            </a:bodyPr>
-            <a:lstStyle/>
-            <a:p>
-              <a:pPr marL="0" lvl="0" indent="0">
-                <a:spcBef>
-                  <a:spcPts val="0"/>
-                </a:spcBef>
-                <a:spcAft>
-                  <a:spcPts val="0"/>
-                </a:spcAft>
-                <a:buNone/>
-              </a:pPr>
-              <a:endParaRPr dirty="0"/>
-            </a:p>
-          </p:txBody>
-        </p:sp>
-        <p:sp>
-          <p:nvSpPr>
-            <p:cNvPr id="14" name="Google Shape;561;p37">
-              <a:extLst>
-                <a:ext uri="{FF2B5EF4-FFF2-40B4-BE49-F238E27FC236}">
-                  <a16:creationId xmlns:a16="http://schemas.microsoft.com/office/drawing/2014/main" id="{D7505C5E-D8C2-479A-98D3-D568A5C42C10}"/>
-                </a:ext>
-              </a:extLst>
-            </p:cNvPr>
-            <p:cNvSpPr/>
-            <p:nvPr/>
-          </p:nvSpPr>
-          <p:spPr>
-            <a:xfrm>
-              <a:off x="1974225" y="468875"/>
-              <a:ext cx="232600" cy="179025"/>
-            </a:xfrm>
-            <a:custGeom>
-              <a:avLst/>
-              <a:gdLst/>
-              <a:ahLst/>
-              <a:cxnLst/>
-              <a:rect l="0" t="0" r="0" b="0"/>
-              <a:pathLst>
-                <a:path w="9304" h="7161" fill="none" extrusionOk="0">
-                  <a:moveTo>
-                    <a:pt x="0" y="3995"/>
-                  </a:moveTo>
-                  <a:lnTo>
-                    <a:pt x="2923" y="244"/>
-                  </a:lnTo>
-                  <a:lnTo>
-                    <a:pt x="2923" y="244"/>
-                  </a:lnTo>
-                  <a:lnTo>
-                    <a:pt x="3020" y="147"/>
-                  </a:lnTo>
-                  <a:lnTo>
-                    <a:pt x="3142" y="49"/>
-                  </a:lnTo>
-                  <a:lnTo>
-                    <a:pt x="3264" y="1"/>
-                  </a:lnTo>
-                  <a:lnTo>
-                    <a:pt x="3410" y="1"/>
-                  </a:lnTo>
-                  <a:lnTo>
-                    <a:pt x="3532" y="1"/>
-                  </a:lnTo>
-                  <a:lnTo>
-                    <a:pt x="3678" y="49"/>
-                  </a:lnTo>
-                  <a:lnTo>
-                    <a:pt x="3800" y="147"/>
-                  </a:lnTo>
-                  <a:lnTo>
-                    <a:pt x="3897" y="244"/>
-                  </a:lnTo>
-                  <a:lnTo>
-                    <a:pt x="9304" y="7161"/>
-                  </a:lnTo>
-                </a:path>
-              </a:pathLst>
-            </a:custGeom>
-            <a:noFill/>
-            <a:ln w="12175" cap="rnd" cmpd="sng">
-              <a:solidFill>
-                <a:srgbClr val="FF9800"/>
-              </a:solidFill>
-              <a:prstDash val="solid"/>
-              <a:round/>
-              <a:headEnd type="none" w="sm" len="sm"/>
-              <a:tailEnd type="none" w="sm" len="sm"/>
-            </a:ln>
-          </p:spPr>
-          <p:txBody>
-            <a:bodyPr spcFirstLastPara="1" wrap="square" lIns="91425" tIns="91425" rIns="91425" bIns="91425" anchor="ctr" anchorCtr="0">
-              <a:noAutofit/>
-            </a:bodyPr>
-            <a:lstStyle/>
-            <a:p>
-              <a:pPr marL="0" lvl="0" indent="0">
-                <a:spcBef>
-                  <a:spcPts val="0"/>
-                </a:spcBef>
-                <a:spcAft>
-                  <a:spcPts val="0"/>
-                </a:spcAft>
-                <a:buNone/>
-              </a:pPr>
-              <a:endParaRPr dirty="0"/>
-            </a:p>
-          </p:txBody>
-        </p:sp>
-        <p:sp>
-          <p:nvSpPr>
-            <p:cNvPr id="15" name="Google Shape;562;p37">
-              <a:extLst>
-                <a:ext uri="{FF2B5EF4-FFF2-40B4-BE49-F238E27FC236}">
-                  <a16:creationId xmlns:a16="http://schemas.microsoft.com/office/drawing/2014/main" id="{AFFFF193-9DFD-42AB-9BF6-E1C034F09C49}"/>
-                </a:ext>
-              </a:extLst>
-            </p:cNvPr>
-            <p:cNvSpPr/>
-            <p:nvPr/>
-          </p:nvSpPr>
-          <p:spPr>
-            <a:xfrm>
-              <a:off x="2169675" y="396425"/>
-              <a:ext cx="97450" cy="97450"/>
-            </a:xfrm>
-            <a:custGeom>
-              <a:avLst/>
-              <a:gdLst/>
-              <a:ahLst/>
-              <a:cxnLst/>
-              <a:rect l="0" t="0" r="0" b="0"/>
-              <a:pathLst>
-                <a:path w="3898" h="3898" fill="none" extrusionOk="0">
-                  <a:moveTo>
-                    <a:pt x="1949" y="3897"/>
-                  </a:moveTo>
-                  <a:lnTo>
-                    <a:pt x="1949" y="3897"/>
-                  </a:lnTo>
-                  <a:lnTo>
-                    <a:pt x="1754" y="3897"/>
-                  </a:lnTo>
-                  <a:lnTo>
-                    <a:pt x="1559" y="3873"/>
-                  </a:lnTo>
-                  <a:lnTo>
-                    <a:pt x="1364" y="3824"/>
-                  </a:lnTo>
-                  <a:lnTo>
-                    <a:pt x="1194" y="3751"/>
-                  </a:lnTo>
-                  <a:lnTo>
-                    <a:pt x="1023" y="3678"/>
-                  </a:lnTo>
-                  <a:lnTo>
-                    <a:pt x="853" y="3580"/>
-                  </a:lnTo>
-                  <a:lnTo>
-                    <a:pt x="707" y="3459"/>
-                  </a:lnTo>
-                  <a:lnTo>
-                    <a:pt x="560" y="3337"/>
-                  </a:lnTo>
-                  <a:lnTo>
-                    <a:pt x="439" y="3191"/>
-                  </a:lnTo>
-                  <a:lnTo>
-                    <a:pt x="317" y="3045"/>
-                  </a:lnTo>
-                  <a:lnTo>
-                    <a:pt x="220" y="2874"/>
-                  </a:lnTo>
-                  <a:lnTo>
-                    <a:pt x="146" y="2704"/>
-                  </a:lnTo>
-                  <a:lnTo>
-                    <a:pt x="73" y="2533"/>
-                  </a:lnTo>
-                  <a:lnTo>
-                    <a:pt x="25" y="2338"/>
-                  </a:lnTo>
-                  <a:lnTo>
-                    <a:pt x="0" y="2168"/>
-                  </a:lnTo>
-                  <a:lnTo>
-                    <a:pt x="0" y="1949"/>
-                  </a:lnTo>
-                  <a:lnTo>
-                    <a:pt x="0" y="1949"/>
-                  </a:lnTo>
-                  <a:lnTo>
-                    <a:pt x="0" y="1754"/>
-                  </a:lnTo>
-                  <a:lnTo>
-                    <a:pt x="25" y="1559"/>
-                  </a:lnTo>
-                  <a:lnTo>
-                    <a:pt x="73" y="1389"/>
-                  </a:lnTo>
-                  <a:lnTo>
-                    <a:pt x="146" y="1194"/>
-                  </a:lnTo>
-                  <a:lnTo>
-                    <a:pt x="220" y="1023"/>
-                  </a:lnTo>
-                  <a:lnTo>
-                    <a:pt x="317" y="877"/>
-                  </a:lnTo>
-                  <a:lnTo>
-                    <a:pt x="439" y="707"/>
-                  </a:lnTo>
-                  <a:lnTo>
-                    <a:pt x="560" y="585"/>
-                  </a:lnTo>
-                  <a:lnTo>
-                    <a:pt x="707" y="463"/>
-                  </a:lnTo>
-                  <a:lnTo>
-                    <a:pt x="853" y="341"/>
-                  </a:lnTo>
-                  <a:lnTo>
-                    <a:pt x="1023" y="244"/>
-                  </a:lnTo>
-                  <a:lnTo>
-                    <a:pt x="1194" y="171"/>
-                  </a:lnTo>
-                  <a:lnTo>
-                    <a:pt x="1364" y="98"/>
-                  </a:lnTo>
-                  <a:lnTo>
-                    <a:pt x="1559" y="49"/>
-                  </a:lnTo>
-                  <a:lnTo>
-                    <a:pt x="1754" y="25"/>
-                  </a:lnTo>
-                  <a:lnTo>
-                    <a:pt x="1949" y="0"/>
-                  </a:lnTo>
-                  <a:lnTo>
-                    <a:pt x="1949" y="0"/>
-                  </a:lnTo>
-                  <a:lnTo>
-                    <a:pt x="2144" y="25"/>
-                  </a:lnTo>
-                  <a:lnTo>
-                    <a:pt x="2338" y="49"/>
-                  </a:lnTo>
-                  <a:lnTo>
-                    <a:pt x="2533" y="98"/>
-                  </a:lnTo>
-                  <a:lnTo>
-                    <a:pt x="2704" y="171"/>
-                  </a:lnTo>
-                  <a:lnTo>
-                    <a:pt x="2874" y="244"/>
-                  </a:lnTo>
-                  <a:lnTo>
-                    <a:pt x="3020" y="341"/>
-                  </a:lnTo>
-                  <a:lnTo>
-                    <a:pt x="3191" y="463"/>
-                  </a:lnTo>
-                  <a:lnTo>
-                    <a:pt x="3313" y="585"/>
-                  </a:lnTo>
-                  <a:lnTo>
-                    <a:pt x="3459" y="707"/>
-                  </a:lnTo>
-                  <a:lnTo>
-                    <a:pt x="3556" y="877"/>
-                  </a:lnTo>
-                  <a:lnTo>
-                    <a:pt x="3654" y="1023"/>
-                  </a:lnTo>
-                  <a:lnTo>
-                    <a:pt x="3727" y="1194"/>
-                  </a:lnTo>
-                  <a:lnTo>
-                    <a:pt x="3800" y="1389"/>
-                  </a:lnTo>
-                  <a:lnTo>
-                    <a:pt x="3848" y="1559"/>
-                  </a:lnTo>
-                  <a:lnTo>
-                    <a:pt x="3873" y="1754"/>
-                  </a:lnTo>
-                  <a:lnTo>
-                    <a:pt x="3897" y="1949"/>
-                  </a:lnTo>
-                  <a:lnTo>
-                    <a:pt x="3897" y="1949"/>
-                  </a:lnTo>
-                  <a:lnTo>
-                    <a:pt x="3873" y="2168"/>
-                  </a:lnTo>
-                  <a:lnTo>
-                    <a:pt x="3848" y="2338"/>
-                  </a:lnTo>
-                  <a:lnTo>
-                    <a:pt x="3800" y="2533"/>
-                  </a:lnTo>
-                  <a:lnTo>
-                    <a:pt x="3727" y="2704"/>
-                  </a:lnTo>
-                  <a:lnTo>
-                    <a:pt x="3654" y="2874"/>
-                  </a:lnTo>
-                  <a:lnTo>
-                    <a:pt x="3556" y="3045"/>
-                  </a:lnTo>
-                  <a:lnTo>
-                    <a:pt x="3459" y="3191"/>
-                  </a:lnTo>
-                  <a:lnTo>
-                    <a:pt x="3313" y="3337"/>
-                  </a:lnTo>
-                  <a:lnTo>
-                    <a:pt x="3191" y="3459"/>
-                  </a:lnTo>
-                  <a:lnTo>
-                    <a:pt x="3020" y="3580"/>
-                  </a:lnTo>
-                  <a:lnTo>
-                    <a:pt x="2874" y="3678"/>
-                  </a:lnTo>
-                  <a:lnTo>
-                    <a:pt x="2704" y="3751"/>
-                  </a:lnTo>
-                  <a:lnTo>
-                    <a:pt x="2533" y="3824"/>
-                  </a:lnTo>
-                  <a:lnTo>
-                    <a:pt x="2338" y="3873"/>
-                  </a:lnTo>
-                  <a:lnTo>
-                    <a:pt x="2144" y="3897"/>
-                  </a:lnTo>
-                  <a:lnTo>
-                    <a:pt x="1949" y="3897"/>
-                  </a:lnTo>
-                  <a:lnTo>
-                    <a:pt x="1949" y="3897"/>
-                  </a:lnTo>
-                </a:path>
-              </a:pathLst>
-            </a:custGeom>
-            <a:noFill/>
-            <a:ln w="12175" cap="rnd" cmpd="sng">
-              <a:solidFill>
-                <a:srgbClr val="FF9800"/>
-              </a:solidFill>
-              <a:prstDash val="solid"/>
-              <a:round/>
-              <a:headEnd type="none" w="sm" len="sm"/>
-              <a:tailEnd type="none" w="sm" len="sm"/>
-            </a:ln>
-          </p:spPr>
-          <p:txBody>
-            <a:bodyPr spcFirstLastPara="1" wrap="square" lIns="91425" tIns="91425" rIns="91425" bIns="91425" anchor="ctr" anchorCtr="0">
-              <a:noAutofit/>
-            </a:bodyPr>
-            <a:lstStyle/>
-            <a:p>
-              <a:pPr marL="0" lvl="0" indent="0">
-                <a:spcBef>
-                  <a:spcPts val="0"/>
-                </a:spcBef>
-                <a:spcAft>
-                  <a:spcPts val="0"/>
-                </a:spcAft>
-                <a:buNone/>
-              </a:pPr>
-              <a:endParaRPr dirty="0"/>
-            </a:p>
-          </p:txBody>
-        </p:sp>
-      </p:grpSp>
-      <p:pic>
-        <p:nvPicPr>
-          <p:cNvPr id="16" name="Picture 15">
-            <a:extLst>
-              <a:ext uri="{FF2B5EF4-FFF2-40B4-BE49-F238E27FC236}">
-                <a16:creationId xmlns:a16="http://schemas.microsoft.com/office/drawing/2014/main" id="{91034CAF-2C93-475E-936D-A3C47FF21278}"/>
-              </a:ext>
-            </a:extLst>
-          </p:cNvPr>
-          <p:cNvPicPr>
-            <a:picLocks noChangeAspect="1"/>
-          </p:cNvPicPr>
-          <p:nvPr/>
-        </p:nvPicPr>
-        <p:blipFill>
-          <a:blip r:embed="rId3"/>
-          <a:stretch>
-            <a:fillRect/>
-          </a:stretch>
-        </p:blipFill>
-        <p:spPr>
-          <a:xfrm>
-            <a:off x="1225887" y="3183278"/>
-            <a:ext cx="2334588" cy="1705486"/>
-          </a:xfrm>
-          <a:prstGeom prst="rect">
-            <a:avLst/>
-          </a:prstGeom>
-        </p:spPr>
-      </p:pic>
-      <p:pic>
-        <p:nvPicPr>
-          <p:cNvPr id="3" name="Picture 2">
-            <a:extLst>
-              <a:ext uri="{FF2B5EF4-FFF2-40B4-BE49-F238E27FC236}">
-                <a16:creationId xmlns:a16="http://schemas.microsoft.com/office/drawing/2014/main" id="{316E5FCF-022F-45A2-A3D3-D6E1D09016BF}"/>
-              </a:ext>
-            </a:extLst>
-          </p:cNvPr>
-          <p:cNvPicPr>
-            <a:picLocks noChangeAspect="1"/>
-          </p:cNvPicPr>
-          <p:nvPr/>
-        </p:nvPicPr>
-        <p:blipFill>
-          <a:blip r:embed="rId4"/>
-          <a:stretch>
-            <a:fillRect/>
-          </a:stretch>
-        </p:blipFill>
-        <p:spPr>
-          <a:xfrm>
-            <a:off x="4572000" y="3183278"/>
-            <a:ext cx="2305099" cy="1705486"/>
-          </a:xfrm>
-          <a:prstGeom prst="rect">
-            <a:avLst/>
-          </a:prstGeom>
-        </p:spPr>
-      </p:pic>
-    </p:spTree>
-    <p:extLst>
-      <p:ext uri="{BB962C8B-B14F-4D97-AF65-F5344CB8AC3E}">
-        <p14:creationId xmlns:p14="http://schemas.microsoft.com/office/powerpoint/2010/main" val="3070828661"/>
       </p:ext>
     </p:extLst>
   </p:cSld>
